--- a/Design_Pattern_Singelton_MarkHarvey.pptx
+++ b/Design_Pattern_Singelton_MarkHarvey.pptx
@@ -17,17 +17,16 @@
     <p:sldId id="262" r:id="rId12"/>
     <p:sldId id="263" r:id="rId13"/>
     <p:sldId id="264" r:id="rId14"/>
-    <p:sldId id="265" r:id="rId15"/>
   </p:sldIdLst>
   <p:sldSz cy="5143500" cx="9144000"/>
   <p:notesSz cx="6858000" cy="9144000"/>
   <p:embeddedFontLst>
     <p:embeddedFont>
       <p:font typeface="Roboto"/>
-      <p:regular r:id="rId16"/>
-      <p:bold r:id="rId17"/>
-      <p:italic r:id="rId18"/>
-      <p:boldItalic r:id="rId19"/>
+      <p:regular r:id="rId15"/>
+      <p:bold r:id="rId16"/>
+      <p:italic r:id="rId17"/>
+      <p:boldItalic r:id="rId18"/>
     </p:embeddedFont>
   </p:embeddedFontLst>
   <p:defaultTextStyle>
@@ -803,105 +802,6 @@
 </p:notes>
 </file>
 
-<file path=ppt/notesSlides/notesSlide10.xml><?xml version="1.0" encoding="utf-8"?>
-<p:notes xmlns:a="http://schemas.openxmlformats.org/drawingml/2006/main" xmlns:r="http://schemas.openxmlformats.org/officeDocument/2006/relationships" xmlns:mc="http://schemas.openxmlformats.org/markup-compatibility/2006" xmlns:mv="urn:schemas-microsoft-com:mac:vml" xmlns:p="http://schemas.openxmlformats.org/presentationml/2006/main" xmlns:c="http://schemas.openxmlformats.org/drawingml/2006/chart" xmlns:dgm="http://schemas.openxmlformats.org/drawingml/2006/diagram" xmlns:o="urn:schemas-microsoft-com:office:office" xmlns:v="urn:schemas-microsoft-com:vml" xmlns:pvml="urn:schemas-microsoft-com:office:powerpoint" xmlns:com="http://schemas.openxmlformats.org/drawingml/2006/compatibility" xmlns:p14="http://schemas.microsoft.com/office/powerpoint/2010/main" xmlns:p15="http://schemas.microsoft.com/office/powerpoint/2012/main" xmlns:ahyp="http://schemas.microsoft.com/office/drawing/2018/hyperlinkcolor" showMasterPhAnim="0" showMasterSp="0">
-  <p:cSld>
-    <p:spTree>
-      <p:nvGrpSpPr>
-        <p:cNvPr id="114" name="Shape 114"/>
-        <p:cNvGrpSpPr/>
-        <p:nvPr/>
-      </p:nvGrpSpPr>
-      <p:grpSpPr>
-        <a:xfrm>
-          <a:off x="0" y="0"/>
-          <a:ext cx="0" cy="0"/>
-          <a:chOff x="0" y="0"/>
-          <a:chExt cx="0" cy="0"/>
-        </a:xfrm>
-      </p:grpSpPr>
-      <p:sp>
-        <p:nvSpPr>
-          <p:cNvPr id="115" name="Google Shape;115;g22cd232889d_0_243:notes"/>
-          <p:cNvSpPr/>
-          <p:nvPr>
-            <p:ph idx="2" type="sldImg"/>
-          </p:nvPr>
-        </p:nvSpPr>
-        <p:spPr>
-          <a:xfrm>
-            <a:off x="381300" y="685800"/>
-            <a:ext cx="6096000" cy="3429000"/>
-          </a:xfrm>
-          <a:custGeom>
-            <a:rect b="b" l="l" r="r" t="t"/>
-            <a:pathLst>
-              <a:path extrusionOk="0" h="120000" w="120000">
-                <a:moveTo>
-                  <a:pt x="0" y="0"/>
-                </a:moveTo>
-                <a:lnTo>
-                  <a:pt x="120000" y="0"/>
-                </a:lnTo>
-                <a:lnTo>
-                  <a:pt x="120000" y="120000"/>
-                </a:lnTo>
-                <a:lnTo>
-                  <a:pt x="0" y="120000"/>
-                </a:lnTo>
-                <a:close/>
-              </a:path>
-            </a:pathLst>
-          </a:custGeom>
-        </p:spPr>
-      </p:sp>
-      <p:sp>
-        <p:nvSpPr>
-          <p:cNvPr id="116" name="Google Shape;116;g22cd232889d_0_243:notes"/>
-          <p:cNvSpPr txBox="1"/>
-          <p:nvPr>
-            <p:ph idx="1" type="body"/>
-          </p:nvPr>
-        </p:nvSpPr>
-        <p:spPr>
-          <a:xfrm>
-            <a:off x="685800" y="4343400"/>
-            <a:ext cx="5486400" cy="4114800"/>
-          </a:xfrm>
-          <a:prstGeom prst="rect">
-            <a:avLst/>
-          </a:prstGeom>
-        </p:spPr>
-        <p:txBody>
-          <a:bodyPr anchorCtr="0" anchor="t" bIns="91425" lIns="91425" spcFirstLastPara="1" rIns="91425" wrap="square" tIns="91425">
-            <a:noAutofit/>
-          </a:bodyPr>
-          <a:lstStyle/>
-          <a:p>
-            <a:pPr indent="0" lvl="0" marL="0" rtl="0" algn="l">
-              <a:spcBef>
-                <a:spcPts val="0"/>
-              </a:spcBef>
-              <a:spcAft>
-                <a:spcPts val="0"/>
-              </a:spcAft>
-              <a:buNone/>
-            </a:pPr>
-            <a:r>
-              <a:t/>
-            </a:r>
-            <a:endParaRPr/>
-          </a:p>
-        </p:txBody>
-      </p:sp>
-    </p:spTree>
-  </p:cSld>
-  <p:clrMapOvr>
-    <a:masterClrMapping/>
-  </p:clrMapOvr>
-</p:notes>
-</file>
-
 <file path=ppt/notesSlides/notesSlide2.xml><?xml version="1.0" encoding="utf-8"?>
 <p:notes xmlns:a="http://schemas.openxmlformats.org/drawingml/2006/main" xmlns:r="http://schemas.openxmlformats.org/officeDocument/2006/relationships" xmlns:mc="http://schemas.openxmlformats.org/markup-compatibility/2006" xmlns:mv="urn:schemas-microsoft-com:mac:vml" xmlns:p="http://schemas.openxmlformats.org/presentationml/2006/main" xmlns:c="http://schemas.openxmlformats.org/drawingml/2006/chart" xmlns:dgm="http://schemas.openxmlformats.org/drawingml/2006/diagram" xmlns:o="urn:schemas-microsoft-com:office:office" xmlns:v="urn:schemas-microsoft-com:vml" xmlns:pvml="urn:schemas-microsoft-com:office:powerpoint" xmlns:com="http://schemas.openxmlformats.org/drawingml/2006/compatibility" xmlns:p14="http://schemas.microsoft.com/office/powerpoint/2010/main" xmlns:p15="http://schemas.microsoft.com/office/powerpoint/2012/main" xmlns:ahyp="http://schemas.microsoft.com/office/drawing/2018/hyperlinkcolor" showMasterPhAnim="0" showMasterSp="0">
   <p:cSld>
@@ -1525,7 +1425,7 @@
   <p:cSld>
     <p:spTree>
       <p:nvGrpSpPr>
-        <p:cNvPr id="86" name="Shape 86"/>
+        <p:cNvPr id="87" name="Shape 87"/>
         <p:cNvGrpSpPr/>
         <p:nvPr/>
       </p:nvGrpSpPr>
@@ -1539,7 +1439,7 @@
       </p:grpSpPr>
       <p:sp>
         <p:nvSpPr>
-          <p:cNvPr id="87" name="Google Shape;87;g22cd232889d_0_210:notes"/>
+          <p:cNvPr id="88" name="Google Shape;88;g22cd232889d_0_236:notes"/>
           <p:cNvSpPr/>
           <p:nvPr>
             <p:ph idx="2" type="sldImg"/>
@@ -1574,7 +1474,7 @@
       </p:sp>
       <p:sp>
         <p:nvSpPr>
-          <p:cNvPr id="88" name="Google Shape;88;g22cd232889d_0_210:notes"/>
+          <p:cNvPr id="89" name="Google Shape;89;g22cd232889d_0_236:notes"/>
           <p:cNvSpPr txBox="1"/>
           <p:nvPr>
             <p:ph idx="1" type="body"/>
@@ -1595,152 +1495,19 @@
           </a:bodyPr>
           <a:lstStyle/>
           <a:p>
-            <a:pPr indent="-304800" lvl="0" marL="457200" rtl="0" algn="l">
-              <a:lnSpc>
-                <a:spcPct val="115000"/>
-              </a:lnSpc>
-              <a:spcBef>
-                <a:spcPts val="1500"/>
-              </a:spcBef>
-              <a:spcAft>
-                <a:spcPts val="0"/>
-              </a:spcAft>
-              <a:buClr>
-                <a:schemeClr val="dk1"/>
-              </a:buClr>
-              <a:buSzPts val="1200"/>
-              <a:buFont typeface="Arial"/>
-              <a:buAutoNum type="arabicPeriod"/>
-            </a:pPr>
-            <a:r>
-              <a:rPr lang="en-GB" sz="1200">
-                <a:solidFill>
-                  <a:schemeClr val="dk1"/>
-                </a:solidFill>
-              </a:rPr>
-              <a:t>States: "No Instance Created", "Instance Created".</a:t>
-            </a:r>
-            <a:endParaRPr sz="1200">
-              <a:solidFill>
-                <a:schemeClr val="dk1"/>
-              </a:solidFill>
-            </a:endParaRPr>
-          </a:p>
-          <a:p>
-            <a:pPr indent="-304800" lvl="0" marL="457200" rtl="0" algn="l">
-              <a:lnSpc>
-                <a:spcPct val="115000"/>
-              </a:lnSpc>
-              <a:spcBef>
-                <a:spcPts val="0"/>
-              </a:spcBef>
-              <a:spcAft>
-                <a:spcPts val="0"/>
-              </a:spcAft>
-              <a:buClr>
-                <a:schemeClr val="dk1"/>
-              </a:buClr>
-              <a:buSzPts val="1200"/>
-              <a:buFont typeface="Arial"/>
-              <a:buAutoNum type="arabicPeriod"/>
-            </a:pPr>
-            <a:r>
-              <a:rPr lang="en-GB" sz="1200">
-                <a:solidFill>
-                  <a:schemeClr val="dk1"/>
-                </a:solidFill>
-              </a:rPr>
-              <a:t>Transitions:</a:t>
-            </a:r>
-            <a:endParaRPr sz="1200">
-              <a:solidFill>
-                <a:schemeClr val="dk1"/>
-              </a:solidFill>
-            </a:endParaRPr>
-          </a:p>
-          <a:p>
-            <a:pPr indent="-304800" lvl="1" marL="914400" rtl="0" algn="l">
-              <a:lnSpc>
-                <a:spcPct val="115000"/>
-              </a:lnSpc>
-              <a:spcBef>
-                <a:spcPts val="0"/>
-              </a:spcBef>
-              <a:spcAft>
-                <a:spcPts val="0"/>
-              </a:spcAft>
-              <a:buClr>
-                <a:schemeClr val="dk1"/>
-              </a:buClr>
-              <a:buSzPts val="1200"/>
-              <a:buAutoNum type="alphaLcPeriod"/>
-            </a:pPr>
-            <a:r>
-              <a:rPr lang="en-GB" sz="1200">
-                <a:solidFill>
-                  <a:schemeClr val="dk1"/>
-                </a:solidFill>
-              </a:rPr>
-              <a:t>"No Instance Created" 	-&gt; "Instance Created": when getInstance() is called and there is no existing instance.</a:t>
-            </a:r>
-            <a:endParaRPr sz="1200">
-              <a:solidFill>
-                <a:schemeClr val="dk1"/>
-              </a:solidFill>
-            </a:endParaRPr>
-          </a:p>
-          <a:p>
-            <a:pPr indent="-304800" lvl="1" marL="914400" rtl="0" algn="l">
-              <a:lnSpc>
-                <a:spcPct val="115000"/>
-              </a:lnSpc>
-              <a:spcBef>
-                <a:spcPts val="0"/>
-              </a:spcBef>
-              <a:spcAft>
-                <a:spcPts val="0"/>
-              </a:spcAft>
-              <a:buClr>
-                <a:schemeClr val="dk1"/>
-              </a:buClr>
-              <a:buSzPts val="1200"/>
-              <a:buAutoNum type="alphaLcPeriod"/>
-            </a:pPr>
-            <a:r>
-              <a:rPr lang="en-GB" sz="1200">
-                <a:solidFill>
-                  <a:schemeClr val="dk1"/>
-                </a:solidFill>
-              </a:rPr>
-              <a:t>"Instance Created" 		-&gt; "Instance Created": when getInstance() is called and there is an existing instance.</a:t>
-            </a:r>
-            <a:endParaRPr sz="1200">
-              <a:solidFill>
-                <a:schemeClr val="dk1"/>
-              </a:solidFill>
-            </a:endParaRPr>
-          </a:p>
-          <a:p>
             <a:pPr indent="0" lvl="0" marL="0" rtl="0" algn="l">
-              <a:lnSpc>
-                <a:spcPct val="115000"/>
-              </a:lnSpc>
-              <a:spcBef>
-                <a:spcPts val="1500"/>
-              </a:spcBef>
-              <a:spcAft>
-                <a:spcPts val="1500"/>
+              <a:spcBef>
+                <a:spcPts val="0"/>
+              </a:spcBef>
+              <a:spcAft>
+                <a:spcPts val="0"/>
               </a:spcAft>
               <a:buNone/>
             </a:pPr>
             <a:r>
               <a:t/>
             </a:r>
-            <a:endParaRPr sz="1200">
-              <a:solidFill>
-                <a:schemeClr val="dk1"/>
-              </a:solidFill>
-            </a:endParaRPr>
+            <a:endParaRPr/>
           </a:p>
         </p:txBody>
       </p:sp>
@@ -1757,7 +1524,7 @@
   <p:cSld>
     <p:spTree>
       <p:nvGrpSpPr>
-        <p:cNvPr id="93" name="Shape 93"/>
+        <p:cNvPr id="94" name="Shape 94"/>
         <p:cNvGrpSpPr/>
         <p:nvPr/>
       </p:nvGrpSpPr>
@@ -1771,7 +1538,7 @@
       </p:grpSpPr>
       <p:sp>
         <p:nvSpPr>
-          <p:cNvPr id="94" name="Google Shape;94;g22cd232889d_0_215:notes"/>
+          <p:cNvPr id="95" name="Google Shape;95;g22cd232889d_0_230:notes"/>
           <p:cNvSpPr/>
           <p:nvPr>
             <p:ph idx="2" type="sldImg"/>
@@ -1806,7 +1573,7 @@
       </p:sp>
       <p:sp>
         <p:nvSpPr>
-          <p:cNvPr id="95" name="Google Shape;95;g22cd232889d_0_215:notes"/>
+          <p:cNvPr id="96" name="Google Shape;96;g22cd232889d_0_230:notes"/>
           <p:cNvSpPr txBox="1"/>
           <p:nvPr>
             <p:ph idx="1" type="body"/>
@@ -1828,354 +1595,8 @@
           <a:lstStyle/>
           <a:p>
             <a:pPr indent="0" lvl="0" marL="0" rtl="0" algn="l">
-              <a:lnSpc>
-                <a:spcPct val="115000"/>
-              </a:lnSpc>
-              <a:spcBef>
-                <a:spcPts val="1500"/>
-              </a:spcBef>
-              <a:spcAft>
-                <a:spcPts val="0"/>
-              </a:spcAft>
-              <a:buNone/>
-            </a:pPr>
-            <a:r>
-              <a:rPr lang="en-GB" sz="1200">
-                <a:solidFill>
-                  <a:schemeClr val="dk1"/>
-                </a:solidFill>
-              </a:rPr>
-              <a:t>Class: Singleton</a:t>
-            </a:r>
-            <a:endParaRPr sz="1200">
-              <a:solidFill>
-                <a:schemeClr val="dk1"/>
-              </a:solidFill>
-            </a:endParaRPr>
-          </a:p>
-          <a:p>
-            <a:pPr indent="-304800" lvl="0" marL="457200" rtl="0" algn="l">
-              <a:lnSpc>
-                <a:spcPct val="115000"/>
-              </a:lnSpc>
-              <a:spcBef>
-                <a:spcPts val="1500"/>
-              </a:spcBef>
-              <a:spcAft>
-                <a:spcPts val="0"/>
-              </a:spcAft>
-              <a:buClr>
-                <a:schemeClr val="dk1"/>
-              </a:buClr>
-              <a:buSzPts val="1200"/>
-              <a:buFont typeface="Arial"/>
-              <a:buAutoNum type="arabicPeriod"/>
-            </a:pPr>
-            <a:r>
-              <a:rPr lang="en-GB" sz="1200">
-                <a:solidFill>
-                  <a:schemeClr val="dk1"/>
-                </a:solidFill>
-              </a:rPr>
-              <a:t>Attributes:</a:t>
-            </a:r>
-            <a:endParaRPr sz="1200">
-              <a:solidFill>
-                <a:schemeClr val="dk1"/>
-              </a:solidFill>
-            </a:endParaRPr>
-          </a:p>
-          <a:p>
-            <a:pPr indent="-304800" lvl="1" marL="914400" rtl="0" algn="l">
-              <a:lnSpc>
-                <a:spcPct val="115000"/>
-              </a:lnSpc>
-              <a:spcBef>
-                <a:spcPts val="0"/>
-              </a:spcBef>
-              <a:spcAft>
-                <a:spcPts val="0"/>
-              </a:spcAft>
-              <a:buClr>
-                <a:schemeClr val="dk1"/>
-              </a:buClr>
-              <a:buSzPts val="1200"/>
-              <a:buFont typeface="Arial"/>
-              <a:buChar char="●"/>
-            </a:pPr>
-            <a:r>
-              <a:rPr lang="en-GB" sz="1200">
-                <a:solidFill>
-                  <a:schemeClr val="dk1"/>
-                </a:solidFill>
-              </a:rPr>
-              <a:t>instance (private, static)</a:t>
-            </a:r>
-            <a:endParaRPr sz="1200">
-              <a:solidFill>
-                <a:schemeClr val="dk1"/>
-              </a:solidFill>
-            </a:endParaRPr>
-          </a:p>
-          <a:p>
-            <a:pPr indent="-304800" lvl="0" marL="457200" rtl="0" algn="l">
-              <a:lnSpc>
-                <a:spcPct val="115000"/>
-              </a:lnSpc>
-              <a:spcBef>
-                <a:spcPts val="0"/>
-              </a:spcBef>
-              <a:spcAft>
-                <a:spcPts val="0"/>
-              </a:spcAft>
-              <a:buClr>
-                <a:schemeClr val="dk1"/>
-              </a:buClr>
-              <a:buSzPts val="1200"/>
-              <a:buFont typeface="Arial"/>
-              <a:buAutoNum type="arabicPeriod"/>
-            </a:pPr>
-            <a:r>
-              <a:rPr lang="en-GB" sz="1200">
-                <a:solidFill>
-                  <a:schemeClr val="dk1"/>
-                </a:solidFill>
-              </a:rPr>
-              <a:t>Methods:</a:t>
-            </a:r>
-            <a:endParaRPr sz="1200">
-              <a:solidFill>
-                <a:schemeClr val="dk1"/>
-              </a:solidFill>
-            </a:endParaRPr>
-          </a:p>
-          <a:p>
-            <a:pPr indent="-304800" lvl="1" marL="914400" rtl="0" algn="l">
-              <a:lnSpc>
-                <a:spcPct val="115000"/>
-              </a:lnSpc>
-              <a:spcBef>
-                <a:spcPts val="0"/>
-              </a:spcBef>
-              <a:spcAft>
-                <a:spcPts val="0"/>
-              </a:spcAft>
-              <a:buClr>
-                <a:schemeClr val="dk1"/>
-              </a:buClr>
-              <a:buSzPts val="1200"/>
-              <a:buFont typeface="Arial"/>
-              <a:buChar char="●"/>
-            </a:pPr>
-            <a:r>
-              <a:rPr lang="en-GB" sz="1200">
-                <a:solidFill>
-                  <a:schemeClr val="dk1"/>
-                </a:solidFill>
-              </a:rPr>
-              <a:t>getInstance() (public, static)</a:t>
-            </a:r>
-            <a:endParaRPr sz="1200">
-              <a:solidFill>
-                <a:schemeClr val="dk1"/>
-              </a:solidFill>
-            </a:endParaRPr>
-          </a:p>
-          <a:p>
-            <a:pPr indent="-304800" lvl="1" marL="914400" rtl="0" algn="l">
-              <a:lnSpc>
-                <a:spcPct val="115000"/>
-              </a:lnSpc>
-              <a:spcBef>
-                <a:spcPts val="0"/>
-              </a:spcBef>
-              <a:spcAft>
-                <a:spcPts val="0"/>
-              </a:spcAft>
-              <a:buClr>
-                <a:schemeClr val="dk1"/>
-              </a:buClr>
-              <a:buSzPts val="1200"/>
-              <a:buFont typeface="Arial"/>
-              <a:buChar char="●"/>
-            </a:pPr>
-            <a:r>
-              <a:rPr lang="en-GB" sz="1200">
-                <a:solidFill>
-                  <a:schemeClr val="dk1"/>
-                </a:solidFill>
-              </a:rPr>
-              <a:t>Singleton() (private constructor)</a:t>
-            </a:r>
-            <a:endParaRPr sz="1200">
-              <a:solidFill>
-                <a:schemeClr val="dk1"/>
-              </a:solidFill>
-            </a:endParaRPr>
-          </a:p>
-          <a:p>
-            <a:pPr indent="0" lvl="0" marL="0" rtl="0" algn="l">
-              <a:lnSpc>
-                <a:spcPct val="115000"/>
-              </a:lnSpc>
-              <a:spcBef>
-                <a:spcPts val="1500"/>
-              </a:spcBef>
-              <a:spcAft>
-                <a:spcPts val="0"/>
-              </a:spcAft>
-              <a:buNone/>
-            </a:pPr>
-            <a:r>
-              <a:rPr lang="en-GB" sz="1200">
-                <a:solidFill>
-                  <a:schemeClr val="dk1"/>
-                </a:solidFill>
-              </a:rPr>
-              <a:t>Class: Main</a:t>
-            </a:r>
-            <a:endParaRPr sz="1200">
-              <a:solidFill>
-                <a:schemeClr val="dk1"/>
-              </a:solidFill>
-            </a:endParaRPr>
-          </a:p>
-          <a:p>
-            <a:pPr indent="-304800" lvl="0" marL="457200" rtl="0" algn="l">
-              <a:lnSpc>
-                <a:spcPct val="115000"/>
-              </a:lnSpc>
-              <a:spcBef>
-                <a:spcPts val="1500"/>
-              </a:spcBef>
-              <a:spcAft>
-                <a:spcPts val="0"/>
-              </a:spcAft>
-              <a:buClr>
-                <a:schemeClr val="dk1"/>
-              </a:buClr>
-              <a:buSzPts val="1200"/>
-              <a:buAutoNum type="arabicPeriod"/>
-            </a:pPr>
-            <a:r>
-              <a:rPr lang="en-GB" sz="1200">
-                <a:solidFill>
-                  <a:schemeClr val="dk1"/>
-                </a:solidFill>
-              </a:rPr>
-              <a:t>Attributes:</a:t>
-            </a:r>
-            <a:endParaRPr sz="1200">
-              <a:solidFill>
-                <a:schemeClr val="dk1"/>
-              </a:solidFill>
-            </a:endParaRPr>
-          </a:p>
-          <a:p>
-            <a:pPr indent="0" lvl="0" marL="0" rtl="0" algn="l">
-              <a:lnSpc>
-                <a:spcPct val="115000"/>
-              </a:lnSpc>
-              <a:spcBef>
-                <a:spcPts val="1500"/>
-              </a:spcBef>
-              <a:spcAft>
-                <a:spcPts val="0"/>
-              </a:spcAft>
-              <a:buNone/>
-            </a:pPr>
-            <a:r>
-              <a:rPr lang="en-GB" sz="1200">
-                <a:solidFill>
-                  <a:schemeClr val="dk1"/>
-                </a:solidFill>
-              </a:rPr>
-              <a:t>No Attributes</a:t>
-            </a:r>
-            <a:endParaRPr sz="1200">
-              <a:solidFill>
-                <a:schemeClr val="dk1"/>
-              </a:solidFill>
-            </a:endParaRPr>
-          </a:p>
-          <a:p>
-            <a:pPr indent="-304800" lvl="0" marL="457200" rtl="0" algn="l">
-              <a:lnSpc>
-                <a:spcPct val="115000"/>
-              </a:lnSpc>
-              <a:spcBef>
-                <a:spcPts val="1500"/>
-              </a:spcBef>
-              <a:spcAft>
-                <a:spcPts val="0"/>
-              </a:spcAft>
-              <a:buClr>
-                <a:schemeClr val="dk1"/>
-              </a:buClr>
-              <a:buSzPts val="1200"/>
-              <a:buAutoNum type="arabicPeriod"/>
-            </a:pPr>
-            <a:r>
-              <a:rPr lang="en-GB" sz="1200">
-                <a:solidFill>
-                  <a:schemeClr val="dk1"/>
-                </a:solidFill>
-              </a:rPr>
-              <a:t>Methods:</a:t>
-            </a:r>
-            <a:endParaRPr sz="1200">
-              <a:solidFill>
-                <a:schemeClr val="dk1"/>
-              </a:solidFill>
-            </a:endParaRPr>
-          </a:p>
-          <a:p>
-            <a:pPr indent="0" lvl="0" marL="0" rtl="0" algn="l">
-              <a:lnSpc>
-                <a:spcPct val="115000"/>
-              </a:lnSpc>
-              <a:spcBef>
-                <a:spcPts val="1500"/>
-              </a:spcBef>
-              <a:spcAft>
-                <a:spcPts val="0"/>
-              </a:spcAft>
-              <a:buNone/>
-            </a:pPr>
-            <a:r>
-              <a:rPr lang="en-GB" sz="1200">
-                <a:solidFill>
-                  <a:schemeClr val="dk1"/>
-                </a:solidFill>
-              </a:rPr>
-              <a:t>Main method </a:t>
-            </a:r>
-            <a:r>
-              <a:rPr lang="en-GB" sz="1200">
-                <a:solidFill>
-                  <a:schemeClr val="dk1"/>
-                </a:solidFill>
-              </a:rPr>
-              <a:t>that</a:t>
-            </a:r>
-            <a:r>
-              <a:rPr lang="en-GB" sz="1200">
-                <a:solidFill>
-                  <a:schemeClr val="dk1"/>
-                </a:solidFill>
-              </a:rPr>
-              <a:t> calls getInstance</a:t>
-            </a:r>
-            <a:endParaRPr sz="1200">
-              <a:solidFill>
-                <a:schemeClr val="dk1"/>
-              </a:solidFill>
-            </a:endParaRPr>
-          </a:p>
-          <a:p>
-            <a:pPr indent="0" lvl="0" marL="0" rtl="0" algn="l">
-              <a:spcBef>
-                <a:spcPts val="1500"/>
+              <a:spcBef>
+                <a:spcPts val="0"/>
               </a:spcBef>
               <a:spcAft>
                 <a:spcPts val="0"/>
@@ -2185,11 +1606,7 @@
             <a:r>
               <a:t/>
             </a:r>
-            <a:endParaRPr sz="1200">
-              <a:solidFill>
-                <a:schemeClr val="dk1"/>
-              </a:solidFill>
-            </a:endParaRPr>
+            <a:endParaRPr/>
           </a:p>
         </p:txBody>
       </p:sp>
@@ -2206,7 +1623,7 @@
   <p:cSld>
     <p:spTree>
       <p:nvGrpSpPr>
-        <p:cNvPr id="100" name="Shape 100"/>
+        <p:cNvPr id="101" name="Shape 101"/>
         <p:cNvGrpSpPr/>
         <p:nvPr/>
       </p:nvGrpSpPr>
@@ -2220,7 +1637,7 @@
       </p:grpSpPr>
       <p:sp>
         <p:nvSpPr>
-          <p:cNvPr id="101" name="Google Shape;101;g22cd232889d_0_236:notes"/>
+          <p:cNvPr id="102" name="Google Shape;102;g22cd232889d_0_243:notes"/>
           <p:cNvSpPr/>
           <p:nvPr>
             <p:ph idx="2" type="sldImg"/>
@@ -2255,7 +1672,7 @@
       </p:sp>
       <p:sp>
         <p:nvSpPr>
-          <p:cNvPr id="102" name="Google Shape;102;g22cd232889d_0_236:notes"/>
+          <p:cNvPr id="103" name="Google Shape;103;g22cd232889d_0_243:notes"/>
           <p:cNvSpPr txBox="1"/>
           <p:nvPr>
             <p:ph idx="1" type="body"/>
@@ -2305,7 +1722,7 @@
   <p:cSld>
     <p:spTree>
       <p:nvGrpSpPr>
-        <p:cNvPr id="107" name="Shape 107"/>
+        <p:cNvPr id="108" name="Shape 108"/>
         <p:cNvGrpSpPr/>
         <p:nvPr/>
       </p:nvGrpSpPr>
@@ -2319,7 +1736,7 @@
       </p:grpSpPr>
       <p:sp>
         <p:nvSpPr>
-          <p:cNvPr id="108" name="Google Shape;108;g22cd232889d_0_230:notes"/>
+          <p:cNvPr id="109" name="Google Shape;109;g232d5d95f8f_0_0:notes"/>
           <p:cNvSpPr/>
           <p:nvPr>
             <p:ph idx="2" type="sldImg"/>
@@ -2354,7 +1771,7 @@
       </p:sp>
       <p:sp>
         <p:nvSpPr>
-          <p:cNvPr id="109" name="Google Shape;109;g22cd232889d_0_230:notes"/>
+          <p:cNvPr id="110" name="Google Shape;110;g232d5d95f8f_0_0:notes"/>
           <p:cNvSpPr txBox="1"/>
           <p:nvPr>
             <p:ph idx="1" type="body"/>
@@ -7166,8 +6583,8 @@
         </p:nvSpPr>
         <p:spPr>
           <a:xfrm>
-            <a:off x="311708" y="668375"/>
-            <a:ext cx="8520600" cy="2052600"/>
+            <a:off x="311700" y="1731525"/>
+            <a:ext cx="8520600" cy="888900"/>
           </a:xfrm>
           <a:prstGeom prst="rect">
             <a:avLst/>
@@ -7211,7 +6628,7 @@
         </p:nvSpPr>
         <p:spPr>
           <a:xfrm>
-            <a:off x="311700" y="3824725"/>
+            <a:off x="311700" y="3776075"/>
             <a:ext cx="8520600" cy="792600"/>
           </a:xfrm>
           <a:prstGeom prst="rect">
@@ -7324,257 +6741,6 @@
 </p:sld>
 </file>
 
-<file path=ppt/slides/slide10.xml><?xml version="1.0" encoding="utf-8"?>
-<p:sld xmlns:a="http://schemas.openxmlformats.org/drawingml/2006/main" xmlns:r="http://schemas.openxmlformats.org/officeDocument/2006/relationships" xmlns:mc="http://schemas.openxmlformats.org/markup-compatibility/2006" xmlns:mv="urn:schemas-microsoft-com:mac:vml" xmlns:p="http://schemas.openxmlformats.org/presentationml/2006/main" xmlns:c="http://schemas.openxmlformats.org/drawingml/2006/chart" xmlns:dgm="http://schemas.openxmlformats.org/drawingml/2006/diagram" xmlns:o="urn:schemas-microsoft-com:office:office" xmlns:v="urn:schemas-microsoft-com:vml" xmlns:pvml="urn:schemas-microsoft-com:office:powerpoint" xmlns:com="http://schemas.openxmlformats.org/drawingml/2006/compatibility" xmlns:p14="http://schemas.microsoft.com/office/powerpoint/2010/main" xmlns:p15="http://schemas.microsoft.com/office/powerpoint/2012/main" xmlns:ahyp="http://schemas.microsoft.com/office/drawing/2018/hyperlinkcolor">
-  <p:cSld>
-    <p:spTree>
-      <p:nvGrpSpPr>
-        <p:cNvPr id="117" name="Shape 117"/>
-        <p:cNvGrpSpPr/>
-        <p:nvPr/>
-      </p:nvGrpSpPr>
-      <p:grpSpPr>
-        <a:xfrm>
-          <a:off x="0" y="0"/>
-          <a:ext cx="0" cy="0"/>
-          <a:chOff x="0" y="0"/>
-          <a:chExt cx="0" cy="0"/>
-        </a:xfrm>
-      </p:grpSpPr>
-      <p:pic>
-        <p:nvPicPr>
-          <p:cNvPr id="118" name="Google Shape;118;p22"/>
-          <p:cNvPicPr preferRelativeResize="0"/>
-          <p:nvPr/>
-        </p:nvPicPr>
-        <p:blipFill>
-          <a:blip r:embed="rId3">
-            <a:alphaModFix amt="11000"/>
-          </a:blip>
-          <a:stretch>
-            <a:fillRect/>
-          </a:stretch>
-        </p:blipFill>
-        <p:spPr>
-          <a:xfrm>
-            <a:off x="0" y="0"/>
-            <a:ext cx="9144000" cy="5568665"/>
-          </a:xfrm>
-          <a:prstGeom prst="rect">
-            <a:avLst/>
-          </a:prstGeom>
-          <a:noFill/>
-          <a:ln>
-            <a:noFill/>
-          </a:ln>
-        </p:spPr>
-      </p:pic>
-      <p:sp>
-        <p:nvSpPr>
-          <p:cNvPr id="119" name="Google Shape;119;p22"/>
-          <p:cNvSpPr txBox="1"/>
-          <p:nvPr>
-            <p:ph type="title"/>
-          </p:nvPr>
-        </p:nvSpPr>
-        <p:spPr>
-          <a:xfrm>
-            <a:off x="311700" y="445025"/>
-            <a:ext cx="8520600" cy="572700"/>
-          </a:xfrm>
-          <a:prstGeom prst="rect">
-            <a:avLst/>
-          </a:prstGeom>
-        </p:spPr>
-        <p:txBody>
-          <a:bodyPr anchorCtr="0" anchor="t" bIns="91425" lIns="91425" spcFirstLastPara="1" rIns="91425" wrap="square" tIns="91425">
-            <a:normAutofit fontScale="90000"/>
-          </a:bodyPr>
-          <a:lstStyle/>
-          <a:p>
-            <a:pPr indent="0" lvl="0" marL="0" rtl="0" algn="l">
-              <a:spcBef>
-                <a:spcPts val="0"/>
-              </a:spcBef>
-              <a:spcAft>
-                <a:spcPts val="0"/>
-              </a:spcAft>
-              <a:buNone/>
-            </a:pPr>
-            <a:r>
-              <a:rPr lang="en-GB"/>
-              <a:t>Conclusion</a:t>
-            </a:r>
-            <a:endParaRPr/>
-          </a:p>
-        </p:txBody>
-      </p:sp>
-      <p:sp>
-        <p:nvSpPr>
-          <p:cNvPr id="120" name="Google Shape;120;p22"/>
-          <p:cNvSpPr txBox="1"/>
-          <p:nvPr>
-            <p:ph idx="1" type="body"/>
-          </p:nvPr>
-        </p:nvSpPr>
-        <p:spPr>
-          <a:xfrm>
-            <a:off x="311700" y="1152475"/>
-            <a:ext cx="8520600" cy="3416400"/>
-          </a:xfrm>
-          <a:prstGeom prst="rect">
-            <a:avLst/>
-          </a:prstGeom>
-        </p:spPr>
-        <p:txBody>
-          <a:bodyPr anchorCtr="0" anchor="t" bIns="91425" lIns="91425" spcFirstLastPara="1" rIns="91425" wrap="square" tIns="91425">
-            <a:normAutofit/>
-          </a:bodyPr>
-          <a:lstStyle/>
-          <a:p>
-            <a:pPr indent="-342900" lvl="0" marL="457200" marR="0" rtl="0" algn="l">
-              <a:lnSpc>
-                <a:spcPct val="115000"/>
-              </a:lnSpc>
-              <a:spcBef>
-                <a:spcPts val="0"/>
-              </a:spcBef>
-              <a:spcAft>
-                <a:spcPts val="0"/>
-              </a:spcAft>
-              <a:buSzPts val="1800"/>
-              <a:buChar char="●"/>
-            </a:pPr>
-            <a:r>
-              <a:rPr lang="en-GB"/>
-              <a:t>Ensures a single instance of a class</a:t>
-            </a:r>
-            <a:endParaRPr/>
-          </a:p>
-          <a:p>
-            <a:pPr indent="0" lvl="0" marL="0" marR="0" rtl="0" algn="l">
-              <a:lnSpc>
-                <a:spcPct val="115000"/>
-              </a:lnSpc>
-              <a:spcBef>
-                <a:spcPts val="1200"/>
-              </a:spcBef>
-              <a:spcAft>
-                <a:spcPts val="0"/>
-              </a:spcAft>
-              <a:buNone/>
-            </a:pPr>
-            <a:r>
-              <a:t/>
-            </a:r>
-            <a:endParaRPr/>
-          </a:p>
-          <a:p>
-            <a:pPr indent="-342900" lvl="0" marL="457200" marR="0" rtl="0" algn="l">
-              <a:lnSpc>
-                <a:spcPct val="115000"/>
-              </a:lnSpc>
-              <a:spcBef>
-                <a:spcPts val="1200"/>
-              </a:spcBef>
-              <a:spcAft>
-                <a:spcPts val="0"/>
-              </a:spcAft>
-              <a:buSzPts val="1800"/>
-              <a:buChar char="●"/>
-            </a:pPr>
-            <a:r>
-              <a:rPr lang="en-GB"/>
-              <a:t>Provides a global point of access</a:t>
-            </a:r>
-            <a:endParaRPr/>
-          </a:p>
-          <a:p>
-            <a:pPr indent="0" lvl="0" marL="0" marR="0" rtl="0" algn="l">
-              <a:lnSpc>
-                <a:spcPct val="115000"/>
-              </a:lnSpc>
-              <a:spcBef>
-                <a:spcPts val="1200"/>
-              </a:spcBef>
-              <a:spcAft>
-                <a:spcPts val="0"/>
-              </a:spcAft>
-              <a:buNone/>
-            </a:pPr>
-            <a:r>
-              <a:t/>
-            </a:r>
-            <a:endParaRPr/>
-          </a:p>
-          <a:p>
-            <a:pPr indent="-342900" lvl="0" marL="457200" marR="0" rtl="0" algn="l">
-              <a:lnSpc>
-                <a:spcPct val="115000"/>
-              </a:lnSpc>
-              <a:spcBef>
-                <a:spcPts val="1200"/>
-              </a:spcBef>
-              <a:spcAft>
-                <a:spcPts val="0"/>
-              </a:spcAft>
-              <a:buSzPts val="1800"/>
-              <a:buChar char="●"/>
-            </a:pPr>
-            <a:r>
-              <a:rPr lang="en-GB"/>
-              <a:t>Useful for managing shared resources</a:t>
-            </a:r>
-            <a:endParaRPr/>
-          </a:p>
-          <a:p>
-            <a:pPr indent="0" lvl="0" marL="0" marR="0" rtl="0" algn="l">
-              <a:lnSpc>
-                <a:spcPct val="115000"/>
-              </a:lnSpc>
-              <a:spcBef>
-                <a:spcPts val="1200"/>
-              </a:spcBef>
-              <a:spcAft>
-                <a:spcPts val="0"/>
-              </a:spcAft>
-              <a:buNone/>
-            </a:pPr>
-            <a:r>
-              <a:t/>
-            </a:r>
-            <a:endParaRPr/>
-          </a:p>
-          <a:p>
-            <a:pPr indent="-342900" lvl="0" marL="457200" marR="0" rtl="0" algn="l">
-              <a:lnSpc>
-                <a:spcPct val="115000"/>
-              </a:lnSpc>
-              <a:spcBef>
-                <a:spcPts val="1200"/>
-              </a:spcBef>
-              <a:spcAft>
-                <a:spcPts val="0"/>
-              </a:spcAft>
-              <a:buSzPts val="1800"/>
-              <a:buChar char="●"/>
-            </a:pPr>
-            <a:r>
-              <a:rPr lang="en-GB"/>
-              <a:t>Be cautious of potential drawbacks and use responsibly</a:t>
-            </a:r>
-            <a:endParaRPr/>
-          </a:p>
-        </p:txBody>
-      </p:sp>
-    </p:spTree>
-  </p:cSld>
-  <p:clrMapOvr>
-    <a:masterClrMapping/>
-  </p:clrMapOvr>
-</p:sld>
-</file>
-
 <file path=ppt/slides/slide2.xml><?xml version="1.0" encoding="utf-8"?>
 <p:sld xmlns:a="http://schemas.openxmlformats.org/drawingml/2006/main" xmlns:r="http://schemas.openxmlformats.org/officeDocument/2006/relationships" xmlns:mc="http://schemas.openxmlformats.org/markup-compatibility/2006" xmlns:mv="urn:schemas-microsoft-com:mac:vml" xmlns:p="http://schemas.openxmlformats.org/presentationml/2006/main" xmlns:c="http://schemas.openxmlformats.org/drawingml/2006/chart" xmlns:dgm="http://schemas.openxmlformats.org/drawingml/2006/diagram" xmlns:o="urn:schemas-microsoft-com:office:office" xmlns:v="urn:schemas-microsoft-com:vml" xmlns:pvml="urn:schemas-microsoft-com:office:powerpoint" xmlns:com="http://schemas.openxmlformats.org/drawingml/2006/compatibility" xmlns:p14="http://schemas.microsoft.com/office/powerpoint/2010/main" xmlns:p15="http://schemas.microsoft.com/office/powerpoint/2012/main" xmlns:ahyp="http://schemas.microsoft.com/office/drawing/2018/hyperlinkcolor">
   <p:cSld>
@@ -7810,207 +6976,9 @@
           <a:chExt cx="0" cy="0"/>
         </a:xfrm>
       </p:grpSpPr>
-      <p:sp>
-        <p:nvSpPr>
-          <p:cNvPr id="68" name="Google Shape;68;p15"/>
-          <p:cNvSpPr txBox="1"/>
-          <p:nvPr>
-            <p:ph type="title"/>
-          </p:nvPr>
-        </p:nvSpPr>
-        <p:spPr>
-          <a:xfrm>
-            <a:off x="311700" y="445025"/>
-            <a:ext cx="8520600" cy="572700"/>
-          </a:xfrm>
-          <a:prstGeom prst="rect">
-            <a:avLst/>
-          </a:prstGeom>
-        </p:spPr>
-        <p:txBody>
-          <a:bodyPr anchorCtr="0" anchor="t" bIns="91425" lIns="91425" spcFirstLastPara="1" rIns="91425" wrap="square" tIns="91425">
-            <a:normAutofit fontScale="90000"/>
-          </a:bodyPr>
-          <a:lstStyle/>
-          <a:p>
-            <a:pPr indent="0" lvl="0" marL="0" rtl="0" algn="l">
-              <a:spcBef>
-                <a:spcPts val="0"/>
-              </a:spcBef>
-              <a:spcAft>
-                <a:spcPts val="0"/>
-              </a:spcAft>
-              <a:buNone/>
-            </a:pPr>
-            <a:r>
-              <a:rPr lang="en-GB"/>
-              <a:t>When to use</a:t>
-            </a:r>
-            <a:endParaRPr/>
-          </a:p>
-        </p:txBody>
-      </p:sp>
-      <p:sp>
-        <p:nvSpPr>
-          <p:cNvPr id="69" name="Google Shape;69;p15"/>
-          <p:cNvSpPr txBox="1"/>
-          <p:nvPr>
-            <p:ph idx="1" type="body"/>
-          </p:nvPr>
-        </p:nvSpPr>
-        <p:spPr>
-          <a:xfrm>
-            <a:off x="311700" y="1152475"/>
-            <a:ext cx="8520600" cy="3416400"/>
-          </a:xfrm>
-          <a:prstGeom prst="rect">
-            <a:avLst/>
-          </a:prstGeom>
-        </p:spPr>
-        <p:txBody>
-          <a:bodyPr anchorCtr="0" anchor="t" bIns="91425" lIns="91425" spcFirstLastPara="1" rIns="91425" wrap="square" tIns="91425">
-            <a:normAutofit/>
-          </a:bodyPr>
-          <a:lstStyle/>
-          <a:p>
-            <a:pPr indent="-342900" lvl="0" marL="457200" marR="0" rtl="0" algn="l">
-              <a:lnSpc>
-                <a:spcPct val="115000"/>
-              </a:lnSpc>
-              <a:spcBef>
-                <a:spcPts val="0"/>
-              </a:spcBef>
-              <a:spcAft>
-                <a:spcPts val="0"/>
-              </a:spcAft>
-              <a:buSzPts val="1800"/>
-              <a:buChar char="●"/>
-            </a:pPr>
-            <a:r>
-              <a:rPr lang="en-GB"/>
-              <a:t>Logging</a:t>
-            </a:r>
-            <a:endParaRPr/>
-          </a:p>
-          <a:p>
-            <a:pPr indent="0" lvl="0" marL="0" marR="0" rtl="0" algn="l">
-              <a:lnSpc>
-                <a:spcPct val="115000"/>
-              </a:lnSpc>
-              <a:spcBef>
-                <a:spcPts val="1200"/>
-              </a:spcBef>
-              <a:spcAft>
-                <a:spcPts val="0"/>
-              </a:spcAft>
-              <a:buNone/>
-            </a:pPr>
-            <a:r>
-              <a:t/>
-            </a:r>
-            <a:endParaRPr/>
-          </a:p>
-          <a:p>
-            <a:pPr indent="-342900" lvl="0" marL="457200" marR="0" rtl="0" algn="l">
-              <a:lnSpc>
-                <a:spcPct val="115000"/>
-              </a:lnSpc>
-              <a:spcBef>
-                <a:spcPts val="1200"/>
-              </a:spcBef>
-              <a:spcAft>
-                <a:spcPts val="0"/>
-              </a:spcAft>
-              <a:buSzPts val="1800"/>
-              <a:buChar char="●"/>
-            </a:pPr>
-            <a:r>
-              <a:rPr lang="en-GB"/>
-              <a:t>Configuration Management</a:t>
-            </a:r>
-            <a:endParaRPr/>
-          </a:p>
-          <a:p>
-            <a:pPr indent="0" lvl="0" marL="0" marR="0" rtl="0" algn="l">
-              <a:lnSpc>
-                <a:spcPct val="115000"/>
-              </a:lnSpc>
-              <a:spcBef>
-                <a:spcPts val="1200"/>
-              </a:spcBef>
-              <a:spcAft>
-                <a:spcPts val="0"/>
-              </a:spcAft>
-              <a:buNone/>
-            </a:pPr>
-            <a:r>
-              <a:t/>
-            </a:r>
-            <a:endParaRPr/>
-          </a:p>
-          <a:p>
-            <a:pPr indent="-342900" lvl="0" marL="457200" marR="0" rtl="0" algn="l">
-              <a:lnSpc>
-                <a:spcPct val="115000"/>
-              </a:lnSpc>
-              <a:spcBef>
-                <a:spcPts val="1200"/>
-              </a:spcBef>
-              <a:spcAft>
-                <a:spcPts val="0"/>
-              </a:spcAft>
-              <a:buSzPts val="1800"/>
-              <a:buChar char="●"/>
-            </a:pPr>
-            <a:r>
-              <a:rPr lang="en-GB"/>
-              <a:t>Database Connections</a:t>
-            </a:r>
-            <a:endParaRPr/>
-          </a:p>
-          <a:p>
-            <a:pPr indent="0" lvl="0" marL="0" marR="0" rtl="0" algn="l">
-              <a:lnSpc>
-                <a:spcPct val="115000"/>
-              </a:lnSpc>
-              <a:spcBef>
-                <a:spcPts val="1200"/>
-              </a:spcBef>
-              <a:spcAft>
-                <a:spcPts val="0"/>
-              </a:spcAft>
-              <a:buNone/>
-            </a:pPr>
-            <a:r>
-              <a:t/>
-            </a:r>
-            <a:endParaRPr/>
-          </a:p>
-          <a:p>
-            <a:pPr indent="-342900" lvl="0" marL="457200" marR="0" rtl="0" algn="l">
-              <a:lnSpc>
-                <a:spcPct val="115000"/>
-              </a:lnSpc>
-              <a:spcBef>
-                <a:spcPts val="1200"/>
-              </a:spcBef>
-              <a:spcAft>
-                <a:spcPts val="0"/>
-              </a:spcAft>
-              <a:buSzPts val="1800"/>
-              <a:buChar char="●"/>
-            </a:pPr>
-            <a:r>
-              <a:rPr lang="en-GB"/>
-              <a:t>Thread Pools</a:t>
-            </a:r>
-            <a:endParaRPr/>
-          </a:p>
-        </p:txBody>
-      </p:sp>
       <p:pic>
         <p:nvPicPr>
-          <p:cNvPr id="70" name="Google Shape;70;p15"/>
+          <p:cNvPr id="68" name="Google Shape;68;p15"/>
           <p:cNvPicPr preferRelativeResize="0"/>
           <p:nvPr/>
         </p:nvPicPr>
@@ -8036,6 +7004,204 @@
           </a:ln>
         </p:spPr>
       </p:pic>
+      <p:sp>
+        <p:nvSpPr>
+          <p:cNvPr id="69" name="Google Shape;69;p15"/>
+          <p:cNvSpPr txBox="1"/>
+          <p:nvPr>
+            <p:ph type="title"/>
+          </p:nvPr>
+        </p:nvSpPr>
+        <p:spPr>
+          <a:xfrm>
+            <a:off x="311700" y="445025"/>
+            <a:ext cx="8520600" cy="572700"/>
+          </a:xfrm>
+          <a:prstGeom prst="rect">
+            <a:avLst/>
+          </a:prstGeom>
+        </p:spPr>
+        <p:txBody>
+          <a:bodyPr anchorCtr="0" anchor="t" bIns="91425" lIns="91425" spcFirstLastPara="1" rIns="91425" wrap="square" tIns="91425">
+            <a:normAutofit fontScale="90000"/>
+          </a:bodyPr>
+          <a:lstStyle/>
+          <a:p>
+            <a:pPr indent="0" lvl="0" marL="0" rtl="0" algn="l">
+              <a:spcBef>
+                <a:spcPts val="0"/>
+              </a:spcBef>
+              <a:spcAft>
+                <a:spcPts val="0"/>
+              </a:spcAft>
+              <a:buNone/>
+            </a:pPr>
+            <a:r>
+              <a:rPr lang="en-GB"/>
+              <a:t>When to use</a:t>
+            </a:r>
+            <a:endParaRPr/>
+          </a:p>
+        </p:txBody>
+      </p:sp>
+      <p:sp>
+        <p:nvSpPr>
+          <p:cNvPr id="70" name="Google Shape;70;p15"/>
+          <p:cNvSpPr txBox="1"/>
+          <p:nvPr>
+            <p:ph idx="1" type="body"/>
+          </p:nvPr>
+        </p:nvSpPr>
+        <p:spPr>
+          <a:xfrm>
+            <a:off x="2644650" y="1152475"/>
+            <a:ext cx="3854700" cy="3416400"/>
+          </a:xfrm>
+          <a:prstGeom prst="rect">
+            <a:avLst/>
+          </a:prstGeom>
+        </p:spPr>
+        <p:txBody>
+          <a:bodyPr anchorCtr="0" anchor="t" bIns="91425" lIns="91425" spcFirstLastPara="1" rIns="91425" wrap="square" tIns="91425">
+            <a:normAutofit/>
+          </a:bodyPr>
+          <a:lstStyle/>
+          <a:p>
+            <a:pPr indent="-342900" lvl="0" marL="457200" marR="0" rtl="0" algn="l">
+              <a:lnSpc>
+                <a:spcPct val="115000"/>
+              </a:lnSpc>
+              <a:spcBef>
+                <a:spcPts val="0"/>
+              </a:spcBef>
+              <a:spcAft>
+                <a:spcPts val="0"/>
+              </a:spcAft>
+              <a:buSzPts val="1800"/>
+              <a:buChar char="●"/>
+            </a:pPr>
+            <a:r>
+              <a:rPr lang="en-GB"/>
+              <a:t>Logging</a:t>
+            </a:r>
+            <a:endParaRPr/>
+          </a:p>
+          <a:p>
+            <a:pPr indent="0" lvl="0" marL="0" marR="0" rtl="0" algn="l">
+              <a:lnSpc>
+                <a:spcPct val="115000"/>
+              </a:lnSpc>
+              <a:spcBef>
+                <a:spcPts val="1200"/>
+              </a:spcBef>
+              <a:spcAft>
+                <a:spcPts val="0"/>
+              </a:spcAft>
+              <a:buNone/>
+            </a:pPr>
+            <a:r>
+              <a:t/>
+            </a:r>
+            <a:endParaRPr/>
+          </a:p>
+          <a:p>
+            <a:pPr indent="-342900" lvl="0" marL="457200" marR="0" rtl="0" algn="l">
+              <a:lnSpc>
+                <a:spcPct val="115000"/>
+              </a:lnSpc>
+              <a:spcBef>
+                <a:spcPts val="1200"/>
+              </a:spcBef>
+              <a:spcAft>
+                <a:spcPts val="0"/>
+              </a:spcAft>
+              <a:buSzPts val="1800"/>
+              <a:buChar char="●"/>
+            </a:pPr>
+            <a:r>
+              <a:rPr lang="en-GB"/>
+              <a:t>Configuration Management</a:t>
+            </a:r>
+            <a:endParaRPr/>
+          </a:p>
+          <a:p>
+            <a:pPr indent="0" lvl="0" marL="0" marR="0" rtl="0" algn="l">
+              <a:lnSpc>
+                <a:spcPct val="115000"/>
+              </a:lnSpc>
+              <a:spcBef>
+                <a:spcPts val="1200"/>
+              </a:spcBef>
+              <a:spcAft>
+                <a:spcPts val="0"/>
+              </a:spcAft>
+              <a:buNone/>
+            </a:pPr>
+            <a:r>
+              <a:t/>
+            </a:r>
+            <a:endParaRPr/>
+          </a:p>
+          <a:p>
+            <a:pPr indent="-342900" lvl="0" marL="457200" marR="0" rtl="0" algn="l">
+              <a:lnSpc>
+                <a:spcPct val="115000"/>
+              </a:lnSpc>
+              <a:spcBef>
+                <a:spcPts val="1200"/>
+              </a:spcBef>
+              <a:spcAft>
+                <a:spcPts val="0"/>
+              </a:spcAft>
+              <a:buSzPts val="1800"/>
+              <a:buChar char="●"/>
+            </a:pPr>
+            <a:r>
+              <a:rPr lang="en-GB"/>
+              <a:t>Database Connections</a:t>
+            </a:r>
+            <a:endParaRPr/>
+          </a:p>
+          <a:p>
+            <a:pPr indent="0" lvl="0" marL="0" marR="0" rtl="0" algn="l">
+              <a:lnSpc>
+                <a:spcPct val="115000"/>
+              </a:lnSpc>
+              <a:spcBef>
+                <a:spcPts val="1200"/>
+              </a:spcBef>
+              <a:spcAft>
+                <a:spcPts val="0"/>
+              </a:spcAft>
+              <a:buNone/>
+            </a:pPr>
+            <a:r>
+              <a:t/>
+            </a:r>
+            <a:endParaRPr/>
+          </a:p>
+          <a:p>
+            <a:pPr indent="-342900" lvl="0" marL="457200" marR="0" rtl="0" algn="l">
+              <a:lnSpc>
+                <a:spcPct val="115000"/>
+              </a:lnSpc>
+              <a:spcBef>
+                <a:spcPts val="1200"/>
+              </a:spcBef>
+              <a:spcAft>
+                <a:spcPts val="0"/>
+              </a:spcAft>
+              <a:buSzPts val="1800"/>
+              <a:buChar char="●"/>
+            </a:pPr>
+            <a:r>
+              <a:rPr lang="en-GB"/>
+              <a:t>Thread Pools</a:t>
+            </a:r>
+            <a:endParaRPr/>
+          </a:p>
+        </p:txBody>
+      </p:sp>
     </p:spTree>
   </p:cSld>
   <p:clrMapOvr>
@@ -8148,8 +7314,8 @@
         </p:blipFill>
         <p:spPr>
           <a:xfrm>
-            <a:off x="4865050" y="2246438"/>
-            <a:ext cx="4050350" cy="2671525"/>
+            <a:off x="311700" y="1017725"/>
+            <a:ext cx="5604151" cy="2987650"/>
           </a:xfrm>
           <a:prstGeom prst="rect">
             <a:avLst/>
@@ -8158,6 +7324,13 @@
           <a:ln>
             <a:noFill/>
           </a:ln>
+          <a:effectLst>
+            <a:outerShdw blurRad="71438" rotWithShape="0" algn="bl">
+              <a:schemeClr val="dk1">
+                <a:alpha val="50000"/>
+              </a:schemeClr>
+            </a:outerShdw>
+          </a:effectLst>
         </p:spPr>
       </p:pic>
       <p:pic>
@@ -8176,8 +7349,8 @@
         </p:blipFill>
         <p:spPr>
           <a:xfrm>
-            <a:off x="223025" y="1017725"/>
-            <a:ext cx="4348975" cy="2318500"/>
+            <a:off x="4432625" y="2003251"/>
+            <a:ext cx="4399676" cy="2901926"/>
           </a:xfrm>
           <a:prstGeom prst="rect">
             <a:avLst/>
@@ -8186,6 +7359,13 @@
           <a:ln>
             <a:noFill/>
           </a:ln>
+          <a:effectLst>
+            <a:outerShdw blurRad="71438" rotWithShape="0" algn="bl">
+              <a:schemeClr val="dk1">
+                <a:alpha val="50000"/>
+              </a:schemeClr>
+            </a:outerShdw>
+          </a:effectLst>
         </p:spPr>
       </p:pic>
     </p:spTree>
@@ -8275,7 +7455,7 @@
             </a:pPr>
             <a:r>
               <a:rPr lang="en-GB"/>
-              <a:t>Sequence Diagram</a:t>
+              <a:t>Diagrams</a:t>
             </a:r>
             <a:endParaRPr/>
           </a:p>
@@ -8297,7 +7477,7 @@
         </p:blipFill>
         <p:spPr>
           <a:xfrm>
-            <a:off x="1962150" y="942963"/>
+            <a:off x="3661550" y="798288"/>
             <a:ext cx="5219700" cy="4200525"/>
           </a:xfrm>
           <a:prstGeom prst="rect">
@@ -8310,6 +7490,39 @@
           <a:effectLst>
             <a:outerShdw rotWithShape="0" algn="bl" dir="21540000" dist="9525">
               <a:schemeClr val="dk1"/>
+            </a:outerShdw>
+          </a:effectLst>
+        </p:spPr>
+      </p:pic>
+      <p:pic>
+        <p:nvPicPr>
+          <p:cNvPr id="86" name="Google Shape;86;p17"/>
+          <p:cNvPicPr preferRelativeResize="0"/>
+          <p:nvPr/>
+        </p:nvPicPr>
+        <p:blipFill>
+          <a:blip r:embed="rId5">
+            <a:alphaModFix/>
+          </a:blip>
+          <a:stretch>
+            <a:fillRect/>
+          </a:stretch>
+        </p:blipFill>
+        <p:spPr>
+          <a:xfrm>
+            <a:off x="579225" y="1079350"/>
+            <a:ext cx="3771900" cy="3409950"/>
+          </a:xfrm>
+          <a:prstGeom prst="rect">
+            <a:avLst/>
+          </a:prstGeom>
+          <a:noFill/>
+          <a:ln>
+            <a:noFill/>
+          </a:ln>
+          <a:effectLst>
+            <a:outerShdw rotWithShape="0" algn="bl" dir="21540000" dist="9525">
+              <a:srgbClr val="FFFFFF"/>
             </a:outerShdw>
           </a:effectLst>
         </p:spPr>
@@ -8327,7 +7540,7 @@
   <p:cSld>
     <p:spTree>
       <p:nvGrpSpPr>
-        <p:cNvPr id="89" name="Shape 89"/>
+        <p:cNvPr id="90" name="Shape 90"/>
         <p:cNvGrpSpPr/>
         <p:nvPr/>
       </p:nvGrpSpPr>
@@ -8341,7 +7554,7 @@
       </p:grpSpPr>
       <p:pic>
         <p:nvPicPr>
-          <p:cNvPr id="90" name="Google Shape;90;p18"/>
+          <p:cNvPr id="91" name="Google Shape;91;p18"/>
           <p:cNvPicPr preferRelativeResize="0"/>
           <p:nvPr/>
         </p:nvPicPr>
@@ -8369,7 +7582,7 @@
       </p:pic>
       <p:sp>
         <p:nvSpPr>
-          <p:cNvPr id="91" name="Google Shape;91;p18"/>
+          <p:cNvPr id="92" name="Google Shape;92;p18"/>
           <p:cNvSpPr txBox="1"/>
           <p:nvPr>
             <p:ph type="title"/>
@@ -8401,49 +7614,132 @@
             </a:pPr>
             <a:r>
               <a:rPr lang="en-GB"/>
-              <a:t>State </a:t>
-            </a:r>
-            <a:r>
-              <a:rPr lang="en-GB"/>
-              <a:t>Diagram</a:t>
+              <a:t>Potential Drawbacks</a:t>
             </a:r>
             <a:endParaRPr/>
           </a:p>
         </p:txBody>
       </p:sp>
-      <p:pic>
-        <p:nvPicPr>
-          <p:cNvPr id="92" name="Google Shape;92;p18"/>
-          <p:cNvPicPr preferRelativeResize="0"/>
-          <p:nvPr/>
-        </p:nvPicPr>
-        <p:blipFill>
-          <a:blip r:embed="rId4">
-            <a:alphaModFix/>
-          </a:blip>
-          <a:stretch>
-            <a:fillRect/>
-          </a:stretch>
-        </p:blipFill>
+      <p:sp>
+        <p:nvSpPr>
+          <p:cNvPr id="93" name="Google Shape;93;p18"/>
+          <p:cNvSpPr txBox="1"/>
+          <p:nvPr>
+            <p:ph idx="1" type="body"/>
+          </p:nvPr>
+        </p:nvSpPr>
         <p:spPr>
           <a:xfrm>
-            <a:off x="2781300" y="209550"/>
-            <a:ext cx="3581400" cy="4933950"/>
+            <a:off x="546150" y="1188950"/>
+            <a:ext cx="8051700" cy="3416400"/>
           </a:xfrm>
           <a:prstGeom prst="rect">
             <a:avLst/>
           </a:prstGeom>
-          <a:noFill/>
-          <a:ln>
-            <a:noFill/>
-          </a:ln>
-          <a:effectLst>
-            <a:outerShdw rotWithShape="0" algn="bl" dir="21540000" dist="9525">
-              <a:schemeClr val="dk1"/>
-            </a:outerShdw>
-          </a:effectLst>
         </p:spPr>
-      </p:pic>
+        <p:txBody>
+          <a:bodyPr anchorCtr="0" anchor="t" bIns="91425" lIns="91425" spcFirstLastPara="1" rIns="91425" wrap="square" tIns="91425">
+            <a:normAutofit/>
+          </a:bodyPr>
+          <a:lstStyle/>
+          <a:p>
+            <a:pPr indent="-342900" lvl="0" marL="457200" marR="0" rtl="0" algn="l">
+              <a:lnSpc>
+                <a:spcPct val="115000"/>
+              </a:lnSpc>
+              <a:spcBef>
+                <a:spcPts val="0"/>
+              </a:spcBef>
+              <a:spcAft>
+                <a:spcPts val="0"/>
+              </a:spcAft>
+              <a:buSzPts val="1800"/>
+              <a:buChar char="●"/>
+            </a:pPr>
+            <a:r>
+              <a:rPr lang="en-GB"/>
+              <a:t>Global State: Singleton can be considered an anti-pattern due to its global state, which can lead to issues when debugging.</a:t>
+            </a:r>
+            <a:endParaRPr/>
+          </a:p>
+          <a:p>
+            <a:pPr indent="0" lvl="0" marL="0" marR="0" rtl="0" algn="l">
+              <a:lnSpc>
+                <a:spcPct val="115000"/>
+              </a:lnSpc>
+              <a:spcBef>
+                <a:spcPts val="1200"/>
+              </a:spcBef>
+              <a:spcAft>
+                <a:spcPts val="0"/>
+              </a:spcAft>
+              <a:buNone/>
+            </a:pPr>
+            <a:r>
+              <a:t/>
+            </a:r>
+            <a:endParaRPr/>
+          </a:p>
+          <a:p>
+            <a:pPr indent="-342900" lvl="0" marL="457200" marR="0" rtl="0" algn="l">
+              <a:lnSpc>
+                <a:spcPct val="115000"/>
+              </a:lnSpc>
+              <a:spcBef>
+                <a:spcPts val="1200"/>
+              </a:spcBef>
+              <a:spcAft>
+                <a:spcPts val="0"/>
+              </a:spcAft>
+              <a:buSzPts val="1800"/>
+              <a:buChar char="●"/>
+            </a:pPr>
+            <a:r>
+              <a:rPr lang="en-GB"/>
+              <a:t>Scalability: Difficult to scale in a multi-threaded environment.</a:t>
+            </a:r>
+            <a:endParaRPr/>
+          </a:p>
+          <a:p>
+            <a:pPr indent="0" lvl="0" marL="0" marR="0" rtl="0" algn="l">
+              <a:lnSpc>
+                <a:spcPct val="115000"/>
+              </a:lnSpc>
+              <a:spcBef>
+                <a:spcPts val="1200"/>
+              </a:spcBef>
+              <a:spcAft>
+                <a:spcPts val="0"/>
+              </a:spcAft>
+              <a:buNone/>
+            </a:pPr>
+            <a:r>
+              <a:t/>
+            </a:r>
+            <a:endParaRPr/>
+          </a:p>
+          <a:p>
+            <a:pPr indent="-342900" lvl="0" marL="457200" marR="0" rtl="0" algn="l">
+              <a:lnSpc>
+                <a:spcPct val="115000"/>
+              </a:lnSpc>
+              <a:spcBef>
+                <a:spcPts val="1200"/>
+              </a:spcBef>
+              <a:spcAft>
+                <a:spcPts val="0"/>
+              </a:spcAft>
+              <a:buSzPts val="1800"/>
+              <a:buChar char="●"/>
+            </a:pPr>
+            <a:r>
+              <a:rPr lang="en-GB"/>
+              <a:t>Testing: Harder to unit test because of the hidden dependencies.</a:t>
+            </a:r>
+            <a:endParaRPr/>
+          </a:p>
+        </p:txBody>
+      </p:sp>
     </p:spTree>
   </p:cSld>
   <p:clrMapOvr>
@@ -8457,7 +7753,7 @@
   <p:cSld>
     <p:spTree>
       <p:nvGrpSpPr>
-        <p:cNvPr id="96" name="Shape 96"/>
+        <p:cNvPr id="97" name="Shape 97"/>
         <p:cNvGrpSpPr/>
         <p:nvPr/>
       </p:nvGrpSpPr>
@@ -8471,7 +7767,7 @@
       </p:grpSpPr>
       <p:pic>
         <p:nvPicPr>
-          <p:cNvPr id="97" name="Google Shape;97;p19"/>
+          <p:cNvPr id="98" name="Google Shape;98;p19"/>
           <p:cNvPicPr preferRelativeResize="0"/>
           <p:nvPr/>
         </p:nvPicPr>
@@ -8499,7 +7795,7 @@
       </p:pic>
       <p:sp>
         <p:nvSpPr>
-          <p:cNvPr id="98" name="Google Shape;98;p19"/>
+          <p:cNvPr id="99" name="Google Shape;99;p19"/>
           <p:cNvSpPr txBox="1"/>
           <p:nvPr>
             <p:ph type="title"/>
@@ -8531,49 +7827,130 @@
             </a:pPr>
             <a:r>
               <a:rPr lang="en-GB"/>
-              <a:t>Class </a:t>
-            </a:r>
-            <a:r>
-              <a:rPr lang="en-GB"/>
-              <a:t>Diagram</a:t>
+              <a:t>Best Practices</a:t>
             </a:r>
             <a:endParaRPr/>
           </a:p>
         </p:txBody>
       </p:sp>
-      <p:pic>
-        <p:nvPicPr>
-          <p:cNvPr id="99" name="Google Shape;99;p19"/>
-          <p:cNvPicPr preferRelativeResize="0"/>
-          <p:nvPr/>
-        </p:nvPicPr>
-        <p:blipFill>
-          <a:blip r:embed="rId4">
-            <a:alphaModFix/>
-          </a:blip>
-          <a:stretch>
-            <a:fillRect/>
-          </a:stretch>
-        </p:blipFill>
+      <p:sp>
+        <p:nvSpPr>
+          <p:cNvPr id="100" name="Google Shape;100;p19"/>
+          <p:cNvSpPr txBox="1"/>
+          <p:nvPr>
+            <p:ph idx="1" type="body"/>
+          </p:nvPr>
+        </p:nvSpPr>
         <p:spPr>
           <a:xfrm>
-            <a:off x="2686050" y="1079363"/>
-            <a:ext cx="3771900" cy="3409950"/>
+            <a:off x="904800" y="1249750"/>
+            <a:ext cx="7334400" cy="3416400"/>
           </a:xfrm>
           <a:prstGeom prst="rect">
             <a:avLst/>
           </a:prstGeom>
-          <a:noFill/>
-          <a:ln>
-            <a:noFill/>
-          </a:ln>
-          <a:effectLst>
-            <a:outerShdw rotWithShape="0" algn="bl" dir="21540000" dist="9525">
-              <a:srgbClr val="FFFFFF"/>
-            </a:outerShdw>
-          </a:effectLst>
         </p:spPr>
-      </p:pic>
+        <p:txBody>
+          <a:bodyPr anchorCtr="0" anchor="t" bIns="91425" lIns="91425" spcFirstLastPara="1" rIns="91425" wrap="square" tIns="91425">
+            <a:normAutofit/>
+          </a:bodyPr>
+          <a:lstStyle/>
+          <a:p>
+            <a:pPr indent="-342900" lvl="0" marL="457200" marR="0" rtl="0" algn="l">
+              <a:lnSpc>
+                <a:spcPct val="115000"/>
+              </a:lnSpc>
+              <a:spcBef>
+                <a:spcPts val="0"/>
+              </a:spcBef>
+              <a:spcAft>
+                <a:spcPts val="0"/>
+              </a:spcAft>
+              <a:buSzPts val="1800"/>
+              <a:buChar char="●"/>
+            </a:pPr>
+            <a:r>
+              <a:rPr lang="en-GB"/>
+              <a:t>Ensure thread-safety.</a:t>
+            </a:r>
+            <a:endParaRPr/>
+          </a:p>
+          <a:p>
+            <a:pPr indent="0" lvl="0" marL="0" marR="0" rtl="0" algn="l">
+              <a:lnSpc>
+                <a:spcPct val="115000"/>
+              </a:lnSpc>
+              <a:spcBef>
+                <a:spcPts val="1200"/>
+              </a:spcBef>
+              <a:spcAft>
+                <a:spcPts val="0"/>
+              </a:spcAft>
+              <a:buNone/>
+            </a:pPr>
+            <a:r>
+              <a:t/>
+            </a:r>
+            <a:endParaRPr/>
+          </a:p>
+          <a:p>
+            <a:pPr indent="-342900" lvl="0" marL="457200" marR="0" rtl="0" algn="l">
+              <a:lnSpc>
+                <a:spcPct val="115000"/>
+              </a:lnSpc>
+              <a:spcBef>
+                <a:spcPts val="1200"/>
+              </a:spcBef>
+              <a:spcAft>
+                <a:spcPts val="0"/>
+              </a:spcAft>
+              <a:buSzPts val="1800"/>
+              <a:buChar char="●"/>
+            </a:pPr>
+            <a:r>
+              <a:rPr lang="en-GB"/>
+              <a:t>Use the Singleton pattern judiciously and only when necessary.</a:t>
+            </a:r>
+            <a:endParaRPr/>
+          </a:p>
+          <a:p>
+            <a:pPr indent="0" lvl="0" marL="0" marR="0" rtl="0" algn="l">
+              <a:lnSpc>
+                <a:spcPct val="115000"/>
+              </a:lnSpc>
+              <a:spcBef>
+                <a:spcPts val="1200"/>
+              </a:spcBef>
+              <a:spcAft>
+                <a:spcPts val="0"/>
+              </a:spcAft>
+              <a:buNone/>
+            </a:pPr>
+            <a:r>
+              <a:rPr lang="en-GB"/>
+              <a:t> </a:t>
+            </a:r>
+            <a:endParaRPr/>
+          </a:p>
+          <a:p>
+            <a:pPr indent="-342900" lvl="0" marL="457200" rtl="0" algn="l">
+              <a:spcBef>
+                <a:spcPts val="1200"/>
+              </a:spcBef>
+              <a:spcAft>
+                <a:spcPts val="0"/>
+              </a:spcAft>
+              <a:buSzPts val="1800"/>
+              <a:buChar char="●"/>
+            </a:pPr>
+            <a:r>
+              <a:rPr lang="en-GB"/>
+              <a:t>Consider alternatives like dependency injection.</a:t>
+            </a:r>
+            <a:endParaRPr/>
+          </a:p>
+        </p:txBody>
+      </p:sp>
     </p:spTree>
   </p:cSld>
   <p:clrMapOvr>
@@ -8587,7 +7964,7 @@
   <p:cSld>
     <p:spTree>
       <p:nvGrpSpPr>
-        <p:cNvPr id="103" name="Shape 103"/>
+        <p:cNvPr id="104" name="Shape 104"/>
         <p:cNvGrpSpPr/>
         <p:nvPr/>
       </p:nvGrpSpPr>
@@ -8601,7 +7978,7 @@
       </p:grpSpPr>
       <p:pic>
         <p:nvPicPr>
-          <p:cNvPr id="104" name="Google Shape;104;p20"/>
+          <p:cNvPr id="105" name="Google Shape;105;p20"/>
           <p:cNvPicPr preferRelativeResize="0"/>
           <p:nvPr/>
         </p:nvPicPr>
@@ -8629,7 +8006,7 @@
       </p:pic>
       <p:sp>
         <p:nvSpPr>
-          <p:cNvPr id="105" name="Google Shape;105;p20"/>
+          <p:cNvPr id="106" name="Google Shape;106;p20"/>
           <p:cNvSpPr txBox="1"/>
           <p:nvPr>
             <p:ph type="title"/>
@@ -8661,7 +8038,7 @@
             </a:pPr>
             <a:r>
               <a:rPr lang="en-GB"/>
-              <a:t>Potential Drawbacks</a:t>
+              <a:t>Conclusion</a:t>
             </a:r>
             <a:endParaRPr/>
           </a:p>
@@ -8669,7 +8046,7 @@
       </p:sp>
       <p:sp>
         <p:nvSpPr>
-          <p:cNvPr id="106" name="Google Shape;106;p20"/>
+          <p:cNvPr id="107" name="Google Shape;107;p20"/>
           <p:cNvSpPr txBox="1"/>
           <p:nvPr>
             <p:ph idx="1" type="body"/>
@@ -8677,8 +8054,8 @@
         </p:nvSpPr>
         <p:spPr>
           <a:xfrm>
-            <a:off x="311700" y="1152475"/>
-            <a:ext cx="8520600" cy="3416400"/>
+            <a:off x="1050750" y="1152475"/>
+            <a:ext cx="7042500" cy="3416400"/>
           </a:xfrm>
           <a:prstGeom prst="rect">
             <a:avLst/>
@@ -8705,7 +8082,7 @@
             </a:pPr>
             <a:r>
               <a:rPr lang="en-GB"/>
-              <a:t>Global State: Singleton can be considered an anti-pattern due to its global state, which can lead to issues when debugging.</a:t>
+              <a:t>Ensures a single instance of a class</a:t>
             </a:r>
             <a:endParaRPr/>
           </a:p>
@@ -8743,7 +8120,7 @@
             </a:pPr>
             <a:r>
               <a:rPr lang="en-GB"/>
-              <a:t>Scalability: Difficult to scale in a multi-threaded environment.</a:t>
+              <a:t>Provides a global point of access</a:t>
             </a:r>
             <a:endParaRPr/>
           </a:p>
@@ -8781,7 +8158,45 @@
             </a:pPr>
             <a:r>
               <a:rPr lang="en-GB"/>
-              <a:t>Testing: Harder to unit test because of the hidden dependencies.</a:t>
+              <a:t>Useful for managing shared resources</a:t>
+            </a:r>
+            <a:endParaRPr/>
+          </a:p>
+          <a:p>
+            <a:pPr indent="0" lvl="0" marL="0" marR="0" rtl="0" algn="l">
+              <a:lnSpc>
+                <a:spcPct val="115000"/>
+              </a:lnSpc>
+              <a:spcBef>
+                <a:spcPts val="1200"/>
+              </a:spcBef>
+              <a:spcAft>
+                <a:spcPts val="0"/>
+              </a:spcAft>
+              <a:buNone/>
+            </a:pPr>
+            <a:r>
+              <a:t/>
+            </a:r>
+            <a:endParaRPr/>
+          </a:p>
+          <a:p>
+            <a:pPr indent="-342900" lvl="0" marL="457200" marR="0" rtl="0" algn="l">
+              <a:lnSpc>
+                <a:spcPct val="115000"/>
+              </a:lnSpc>
+              <a:spcBef>
+                <a:spcPts val="1200"/>
+              </a:spcBef>
+              <a:spcAft>
+                <a:spcPts val="0"/>
+              </a:spcAft>
+              <a:buSzPts val="1800"/>
+              <a:buChar char="●"/>
+            </a:pPr>
+            <a:r>
+              <a:rPr lang="en-GB"/>
+              <a:t>Be cautious of potential drawbacks and use responsibly</a:t>
             </a:r>
             <a:endParaRPr/>
           </a:p>
@@ -8800,7 +8215,7 @@
   <p:cSld>
     <p:spTree>
       <p:nvGrpSpPr>
-        <p:cNvPr id="110" name="Shape 110"/>
+        <p:cNvPr id="111" name="Shape 111"/>
         <p:cNvGrpSpPr/>
         <p:nvPr/>
       </p:nvGrpSpPr>
@@ -8814,7 +8229,7 @@
       </p:grpSpPr>
       <p:pic>
         <p:nvPicPr>
-          <p:cNvPr id="111" name="Google Shape;111;p21"/>
+          <p:cNvPr id="112" name="Google Shape;112;p21"/>
           <p:cNvPicPr preferRelativeResize="0"/>
           <p:nvPr/>
         </p:nvPicPr>
@@ -8842,7 +8257,7 @@
       </p:pic>
       <p:sp>
         <p:nvSpPr>
-          <p:cNvPr id="112" name="Google Shape;112;p21"/>
+          <p:cNvPr id="113" name="Google Shape;113;p21"/>
           <p:cNvSpPr txBox="1"/>
           <p:nvPr>
             <p:ph type="title"/>
@@ -8850,7 +8265,7 @@
         </p:nvSpPr>
         <p:spPr>
           <a:xfrm>
-            <a:off x="311700" y="445025"/>
+            <a:off x="311700" y="2050075"/>
             <a:ext cx="8520600" cy="572700"/>
           </a:xfrm>
           <a:prstGeom prst="rect">
@@ -8863,7 +8278,7 @@
           </a:bodyPr>
           <a:lstStyle/>
           <a:p>
-            <a:pPr indent="0" lvl="0" marL="0" rtl="0" algn="l">
+            <a:pPr indent="0" lvl="0" marL="0" rtl="0" algn="ctr">
               <a:spcBef>
                 <a:spcPts val="0"/>
               </a:spcBef>
@@ -8874,127 +8289,7 @@
             </a:pPr>
             <a:r>
               <a:rPr lang="en-GB"/>
-              <a:t>Best Practices</a:t>
-            </a:r>
-            <a:endParaRPr/>
-          </a:p>
-        </p:txBody>
-      </p:sp>
-      <p:sp>
-        <p:nvSpPr>
-          <p:cNvPr id="113" name="Google Shape;113;p21"/>
-          <p:cNvSpPr txBox="1"/>
-          <p:nvPr>
-            <p:ph idx="1" type="body"/>
-          </p:nvPr>
-        </p:nvSpPr>
-        <p:spPr>
-          <a:xfrm>
-            <a:off x="311700" y="1152475"/>
-            <a:ext cx="8520600" cy="3416400"/>
-          </a:xfrm>
-          <a:prstGeom prst="rect">
-            <a:avLst/>
-          </a:prstGeom>
-        </p:spPr>
-        <p:txBody>
-          <a:bodyPr anchorCtr="0" anchor="t" bIns="91425" lIns="91425" spcFirstLastPara="1" rIns="91425" wrap="square" tIns="91425">
-            <a:normAutofit/>
-          </a:bodyPr>
-          <a:lstStyle/>
-          <a:p>
-            <a:pPr indent="-342900" lvl="0" marL="457200" marR="0" rtl="0" algn="l">
-              <a:lnSpc>
-                <a:spcPct val="115000"/>
-              </a:lnSpc>
-              <a:spcBef>
-                <a:spcPts val="0"/>
-              </a:spcBef>
-              <a:spcAft>
-                <a:spcPts val="0"/>
-              </a:spcAft>
-              <a:buSzPts val="1800"/>
-              <a:buChar char="●"/>
-            </a:pPr>
-            <a:r>
-              <a:rPr lang="en-GB"/>
-              <a:t>Ensure thread-safety.</a:t>
-            </a:r>
-            <a:endParaRPr/>
-          </a:p>
-          <a:p>
-            <a:pPr indent="0" lvl="0" marL="0" marR="0" rtl="0" algn="l">
-              <a:lnSpc>
-                <a:spcPct val="115000"/>
-              </a:lnSpc>
-              <a:spcBef>
-                <a:spcPts val="1200"/>
-              </a:spcBef>
-              <a:spcAft>
-                <a:spcPts val="0"/>
-              </a:spcAft>
-              <a:buNone/>
-            </a:pPr>
-            <a:r>
-              <a:t/>
-            </a:r>
-            <a:endParaRPr/>
-          </a:p>
-          <a:p>
-            <a:pPr indent="-342900" lvl="0" marL="457200" marR="0" rtl="0" algn="l">
-              <a:lnSpc>
-                <a:spcPct val="115000"/>
-              </a:lnSpc>
-              <a:spcBef>
-                <a:spcPts val="1200"/>
-              </a:spcBef>
-              <a:spcAft>
-                <a:spcPts val="0"/>
-              </a:spcAft>
-              <a:buSzPts val="1800"/>
-              <a:buChar char="●"/>
-            </a:pPr>
-            <a:r>
-              <a:rPr lang="en-GB"/>
-              <a:t>Consider alternatives like dependency injection.</a:t>
-            </a:r>
-            <a:endParaRPr/>
-          </a:p>
-          <a:p>
-            <a:pPr indent="0" lvl="0" marL="0" marR="0" rtl="0" algn="l">
-              <a:lnSpc>
-                <a:spcPct val="115000"/>
-              </a:lnSpc>
-              <a:spcBef>
-                <a:spcPts val="1200"/>
-              </a:spcBef>
-              <a:spcAft>
-                <a:spcPts val="0"/>
-              </a:spcAft>
-              <a:buNone/>
-            </a:pPr>
-            <a:r>
-              <a:t/>
-            </a:r>
-            <a:endParaRPr/>
-          </a:p>
-          <a:p>
-            <a:pPr indent="-342900" lvl="0" marL="457200" marR="0" rtl="0" algn="l">
-              <a:lnSpc>
-                <a:spcPct val="115000"/>
-              </a:lnSpc>
-              <a:spcBef>
-                <a:spcPts val="1200"/>
-              </a:spcBef>
-              <a:spcAft>
-                <a:spcPts val="0"/>
-              </a:spcAft>
-              <a:buSzPts val="1800"/>
-              <a:buChar char="●"/>
-            </a:pPr>
-            <a:r>
-              <a:rPr lang="en-GB"/>
-              <a:t>Use the Singleton pattern judiciously and only when necessary.</a:t>
+              <a:t>Thank you for listening :)</a:t>
             </a:r>
             <a:endParaRPr/>
           </a:p>
@@ -9009,6 +8304,285 @@
 </file>
 
 <file path=ppt/theme/theme1.xml><?xml version="1.0" encoding="utf-8"?>
+<a:theme xmlns:a="http://schemas.openxmlformats.org/drawingml/2006/main" xmlns:r="http://schemas.openxmlformats.org/officeDocument/2006/relationships">
+  <a:themeElements>
+    <a:clrScheme name="Default">
+      <a:dk1>
+        <a:srgbClr val="000000"/>
+      </a:dk1>
+      <a:lt1>
+        <a:srgbClr val="FFFFFF"/>
+      </a:lt1>
+      <a:dk2>
+        <a:srgbClr val="158158"/>
+      </a:dk2>
+      <a:lt2>
+        <a:srgbClr val="F3F3F3"/>
+      </a:lt2>
+      <a:accent1>
+        <a:srgbClr val="058DC7"/>
+      </a:accent1>
+      <a:accent2>
+        <a:srgbClr val="50B432"/>
+      </a:accent2>
+      <a:accent3>
+        <a:srgbClr val="ED561B"/>
+      </a:accent3>
+      <a:accent4>
+        <a:srgbClr val="EDEF00"/>
+      </a:accent4>
+      <a:accent5>
+        <a:srgbClr val="24CBE5"/>
+      </a:accent5>
+      <a:accent6>
+        <a:srgbClr val="64E572"/>
+      </a:accent6>
+      <a:hlink>
+        <a:srgbClr val="2200CC"/>
+      </a:hlink>
+      <a:folHlink>
+        <a:srgbClr val="551A8B"/>
+      </a:folHlink>
+    </a:clrScheme>
+    <a:fontScheme name="Office">
+      <a:majorFont>
+        <a:latin typeface="Arial"/>
+        <a:ea typeface=""/>
+        <a:cs typeface=""/>
+        <a:font script="Jpan" typeface="ＭＳ Ｐゴシック"/>
+        <a:font script="Hang" typeface="맑은 고딕"/>
+        <a:font script="Hans" typeface="宋体"/>
+        <a:font script="Hant" typeface="新細明體"/>
+        <a:font script="Arab" typeface="Times New Roman"/>
+        <a:font script="Hebr" typeface="Times New Roman"/>
+        <a:font script="Thai" typeface="Angsana New"/>
+        <a:font script="Ethi" typeface="Nyala"/>
+        <a:font script="Beng" typeface="Vrinda"/>
+        <a:font script="Gujr" typeface="Shruti"/>
+        <a:font script="Khmr" typeface="MoolBoran"/>
+        <a:font script="Knda" typeface="Tunga"/>
+        <a:font script="Guru" typeface="Raavi"/>
+        <a:font script="Cans" typeface="Euphemia"/>
+        <a:font script="Cher" typeface="Plantagenet Cherokee"/>
+        <a:font script="Yiii" typeface="Microsoft Yi Baiti"/>
+        <a:font script="Tibt" typeface="Microsoft Himalaya"/>
+        <a:font script="Thaa" typeface="MV Boli"/>
+        <a:font script="Deva" typeface="Mangal"/>
+        <a:font script="Telu" typeface="Gautami"/>
+        <a:font script="Taml" typeface="Latha"/>
+        <a:font script="Syrc" typeface="Estrangelo Edessa"/>
+        <a:font script="Orya" typeface="Kalinga"/>
+        <a:font script="Mlym" typeface="Kartika"/>
+        <a:font script="Laoo" typeface="DokChampa"/>
+        <a:font script="Sinh" typeface="Iskoola Pota"/>
+        <a:font script="Mong" typeface="Mongolian Baiti"/>
+        <a:font script="Viet" typeface="Times New Roman"/>
+        <a:font script="Uigh" typeface="Microsoft Uighur"/>
+        <a:font script="Geor" typeface="Sylfaen"/>
+      </a:majorFont>
+      <a:minorFont>
+        <a:latin typeface="Arial"/>
+        <a:ea typeface=""/>
+        <a:cs typeface=""/>
+        <a:font script="Jpan" typeface="ＭＳ Ｐゴシック"/>
+        <a:font script="Hang" typeface="맑은 고딕"/>
+        <a:font script="Hans" typeface="宋体"/>
+        <a:font script="Hant" typeface="新細明體"/>
+        <a:font script="Arab" typeface="Arial"/>
+        <a:font script="Hebr" typeface="Arial"/>
+        <a:font script="Thai" typeface="Cordia New"/>
+        <a:font script="Ethi" typeface="Nyala"/>
+        <a:font script="Beng" typeface="Vrinda"/>
+        <a:font script="Gujr" typeface="Shruti"/>
+        <a:font script="Khmr" typeface="DaunPenh"/>
+        <a:font script="Knda" typeface="Tunga"/>
+        <a:font script="Guru" typeface="Raavi"/>
+        <a:font script="Cans" typeface="Euphemia"/>
+        <a:font script="Cher" typeface="Plantagenet Cherokee"/>
+        <a:font script="Yiii" typeface="Microsoft Yi Baiti"/>
+        <a:font script="Tibt" typeface="Microsoft Himalaya"/>
+        <a:font script="Thaa" typeface="MV Boli"/>
+        <a:font script="Deva" typeface="Mangal"/>
+        <a:font script="Telu" typeface="Gautami"/>
+        <a:font script="Taml" typeface="Latha"/>
+        <a:font script="Syrc" typeface="Estrangelo Edessa"/>
+        <a:font script="Orya" typeface="Kalinga"/>
+        <a:font script="Mlym" typeface="Kartika"/>
+        <a:font script="Laoo" typeface="DokChampa"/>
+        <a:font script="Sinh" typeface="Iskoola Pota"/>
+        <a:font script="Mong" typeface="Mongolian Baiti"/>
+        <a:font script="Viet" typeface="Arial"/>
+        <a:font script="Uigh" typeface="Microsoft Uighur"/>
+        <a:font script="Geor" typeface="Sylfaen"/>
+      </a:minorFont>
+    </a:fontScheme>
+    <a:fmtScheme name="Office">
+      <a:fillStyleLst>
+        <a:solidFill>
+          <a:schemeClr val="phClr"/>
+        </a:solidFill>
+        <a:gradFill rotWithShape="1">
+          <a:gsLst>
+            <a:gs pos="0">
+              <a:schemeClr val="phClr">
+                <a:tint val="50000"/>
+                <a:satMod val="300000"/>
+              </a:schemeClr>
+            </a:gs>
+            <a:gs pos="35000">
+              <a:schemeClr val="phClr">
+                <a:tint val="37000"/>
+                <a:satMod val="300000"/>
+              </a:schemeClr>
+            </a:gs>
+            <a:gs pos="100000">
+              <a:schemeClr val="phClr">
+                <a:tint val="15000"/>
+                <a:satMod val="350000"/>
+              </a:schemeClr>
+            </a:gs>
+          </a:gsLst>
+          <a:lin ang="16200000" scaled="1"/>
+        </a:gradFill>
+        <a:gradFill rotWithShape="1">
+          <a:gsLst>
+            <a:gs pos="0">
+              <a:schemeClr val="phClr">
+                <a:tint val="100000"/>
+                <a:shade val="100000"/>
+                <a:satMod val="130000"/>
+              </a:schemeClr>
+            </a:gs>
+            <a:gs pos="100000">
+              <a:schemeClr val="phClr">
+                <a:tint val="50000"/>
+                <a:shade val="100000"/>
+                <a:satMod val="350000"/>
+              </a:schemeClr>
+            </a:gs>
+          </a:gsLst>
+          <a:lin ang="16200000" scaled="0"/>
+        </a:gradFill>
+      </a:fillStyleLst>
+      <a:lnStyleLst>
+        <a:ln w="9525" cap="flat" cmpd="sng" algn="ctr">
+          <a:solidFill>
+            <a:schemeClr val="phClr">
+              <a:shade val="95000"/>
+              <a:satMod val="105000"/>
+            </a:schemeClr>
+          </a:solidFill>
+          <a:prstDash val="solid"/>
+        </a:ln>
+        <a:ln w="25400" cap="flat" cmpd="sng" algn="ctr">
+          <a:solidFill>
+            <a:schemeClr val="phClr"/>
+          </a:solidFill>
+          <a:prstDash val="solid"/>
+        </a:ln>
+        <a:ln w="38100" cap="flat" cmpd="sng" algn="ctr">
+          <a:solidFill>
+            <a:schemeClr val="phClr"/>
+          </a:solidFill>
+          <a:prstDash val="solid"/>
+        </a:ln>
+      </a:lnStyleLst>
+      <a:effectStyleLst>
+        <a:effectStyle>
+          <a:effectLst>
+            <a:outerShdw blurRad="40000" dist="20000" dir="5400000" rotWithShape="0">
+              <a:srgbClr val="000000">
+                <a:alpha val="38000"/>
+              </a:srgbClr>
+            </a:outerShdw>
+          </a:effectLst>
+        </a:effectStyle>
+        <a:effectStyle>
+          <a:effectLst>
+            <a:outerShdw blurRad="40000" dist="23000" dir="5400000" rotWithShape="0">
+              <a:srgbClr val="000000">
+                <a:alpha val="35000"/>
+              </a:srgbClr>
+            </a:outerShdw>
+          </a:effectLst>
+        </a:effectStyle>
+        <a:effectStyle>
+          <a:effectLst>
+            <a:outerShdw blurRad="40000" dist="23000" dir="5400000" rotWithShape="0">
+              <a:srgbClr val="000000">
+                <a:alpha val="35000"/>
+              </a:srgbClr>
+            </a:outerShdw>
+          </a:effectLst>
+          <a:scene3d>
+            <a:camera prst="orthographicFront">
+              <a:rot lat="0" lon="0" rev="0"/>
+            </a:camera>
+            <a:lightRig rig="threePt" dir="t">
+              <a:rot lat="0" lon="0" rev="1200000"/>
+            </a:lightRig>
+          </a:scene3d>
+          <a:sp3d>
+            <a:bevelT w="63500" h="25400"/>
+          </a:sp3d>
+        </a:effectStyle>
+      </a:effectStyleLst>
+      <a:bgFillStyleLst>
+        <a:solidFill>
+          <a:schemeClr val="phClr"/>
+        </a:solidFill>
+        <a:gradFill rotWithShape="1">
+          <a:gsLst>
+            <a:gs pos="0">
+              <a:schemeClr val="phClr">
+                <a:tint val="40000"/>
+                <a:satMod val="350000"/>
+              </a:schemeClr>
+            </a:gs>
+            <a:gs pos="40000">
+              <a:schemeClr val="phClr">
+                <a:tint val="45000"/>
+                <a:shade val="99000"/>
+                <a:satMod val="350000"/>
+              </a:schemeClr>
+            </a:gs>
+            <a:gs pos="100000">
+              <a:schemeClr val="phClr">
+                <a:shade val="20000"/>
+                <a:satMod val="255000"/>
+              </a:schemeClr>
+            </a:gs>
+          </a:gsLst>
+          <a:path path="circle">
+            <a:fillToRect l="50000" t="-80000" r="50000" b="180000"/>
+          </a:path>
+        </a:gradFill>
+        <a:gradFill rotWithShape="1">
+          <a:gsLst>
+            <a:gs pos="0">
+              <a:schemeClr val="phClr">
+                <a:tint val="80000"/>
+                <a:satMod val="300000"/>
+              </a:schemeClr>
+            </a:gs>
+            <a:gs pos="100000">
+              <a:schemeClr val="phClr">
+                <a:shade val="30000"/>
+                <a:satMod val="200000"/>
+              </a:schemeClr>
+            </a:gs>
+          </a:gsLst>
+          <a:path path="circle">
+            <a:fillToRect l="50000" t="50000" r="50000" b="50000"/>
+          </a:path>
+        </a:gradFill>
+      </a:bgFillStyleLst>
+    </a:fmtScheme>
+  </a:themeElements>
+</a:theme>
+</file>
+
+<file path=ppt/theme/theme2.xml><?xml version="1.0" encoding="utf-8"?>
 <a:theme xmlns:a="http://schemas.openxmlformats.org/drawingml/2006/main" xmlns:r="http://schemas.openxmlformats.org/officeDocument/2006/relationships" name="Simple Dark">
   <a:themeElements>
     <a:clrScheme name="Simple Dark">
@@ -9285,283 +8859,4 @@
     </a:fmtScheme>
   </a:themeElements>
 </a:theme>
-</file>
-
-<file path=ppt/theme/theme2.xml><?xml version="1.0" encoding="utf-8"?>
-<a:theme xmlns:a="http://schemas.openxmlformats.org/drawingml/2006/main" xmlns:r="http://schemas.openxmlformats.org/officeDocument/2006/relationships">
-  <a:themeElements>
-    <a:clrScheme name="Default">
-      <a:dk1>
-        <a:srgbClr val="000000"/>
-      </a:dk1>
-      <a:lt1>
-        <a:srgbClr val="FFFFFF"/>
-      </a:lt1>
-      <a:dk2>
-        <a:srgbClr val="158158"/>
-      </a:dk2>
-      <a:lt2>
-        <a:srgbClr val="F3F3F3"/>
-      </a:lt2>
-      <a:accent1>
-        <a:srgbClr val="058DC7"/>
-      </a:accent1>
-      <a:accent2>
-        <a:srgbClr val="50B432"/>
-      </a:accent2>
-      <a:accent3>
-        <a:srgbClr val="ED561B"/>
-      </a:accent3>
-      <a:accent4>
-        <a:srgbClr val="EDEF00"/>
-      </a:accent4>
-      <a:accent5>
-        <a:srgbClr val="24CBE5"/>
-      </a:accent5>
-      <a:accent6>
-        <a:srgbClr val="64E572"/>
-      </a:accent6>
-      <a:hlink>
-        <a:srgbClr val="2200CC"/>
-      </a:hlink>
-      <a:folHlink>
-        <a:srgbClr val="551A8B"/>
-      </a:folHlink>
-    </a:clrScheme>
-    <a:fontScheme name="Office">
-      <a:majorFont>
-        <a:latin typeface="Arial"/>
-        <a:ea typeface=""/>
-        <a:cs typeface=""/>
-        <a:font script="Jpan" typeface="ＭＳ Ｐゴシック"/>
-        <a:font script="Hang" typeface="맑은 고딕"/>
-        <a:font script="Hans" typeface="宋体"/>
-        <a:font script="Hant" typeface="新細明體"/>
-        <a:font script="Arab" typeface="Times New Roman"/>
-        <a:font script="Hebr" typeface="Times New Roman"/>
-        <a:font script="Thai" typeface="Angsana New"/>
-        <a:font script="Ethi" typeface="Nyala"/>
-        <a:font script="Beng" typeface="Vrinda"/>
-        <a:font script="Gujr" typeface="Shruti"/>
-        <a:font script="Khmr" typeface="MoolBoran"/>
-        <a:font script="Knda" typeface="Tunga"/>
-        <a:font script="Guru" typeface="Raavi"/>
-        <a:font script="Cans" typeface="Euphemia"/>
-        <a:font script="Cher" typeface="Plantagenet Cherokee"/>
-        <a:font script="Yiii" typeface="Microsoft Yi Baiti"/>
-        <a:font script="Tibt" typeface="Microsoft Himalaya"/>
-        <a:font script="Thaa" typeface="MV Boli"/>
-        <a:font script="Deva" typeface="Mangal"/>
-        <a:font script="Telu" typeface="Gautami"/>
-        <a:font script="Taml" typeface="Latha"/>
-        <a:font script="Syrc" typeface="Estrangelo Edessa"/>
-        <a:font script="Orya" typeface="Kalinga"/>
-        <a:font script="Mlym" typeface="Kartika"/>
-        <a:font script="Laoo" typeface="DokChampa"/>
-        <a:font script="Sinh" typeface="Iskoola Pota"/>
-        <a:font script="Mong" typeface="Mongolian Baiti"/>
-        <a:font script="Viet" typeface="Times New Roman"/>
-        <a:font script="Uigh" typeface="Microsoft Uighur"/>
-        <a:font script="Geor" typeface="Sylfaen"/>
-      </a:majorFont>
-      <a:minorFont>
-        <a:latin typeface="Arial"/>
-        <a:ea typeface=""/>
-        <a:cs typeface=""/>
-        <a:font script="Jpan" typeface="ＭＳ Ｐゴシック"/>
-        <a:font script="Hang" typeface="맑은 고딕"/>
-        <a:font script="Hans" typeface="宋体"/>
-        <a:font script="Hant" typeface="新細明體"/>
-        <a:font script="Arab" typeface="Arial"/>
-        <a:font script="Hebr" typeface="Arial"/>
-        <a:font script="Thai" typeface="Cordia New"/>
-        <a:font script="Ethi" typeface="Nyala"/>
-        <a:font script="Beng" typeface="Vrinda"/>
-        <a:font script="Gujr" typeface="Shruti"/>
-        <a:font script="Khmr" typeface="DaunPenh"/>
-        <a:font script="Knda" typeface="Tunga"/>
-        <a:font script="Guru" typeface="Raavi"/>
-        <a:font script="Cans" typeface="Euphemia"/>
-        <a:font script="Cher" typeface="Plantagenet Cherokee"/>
-        <a:font script="Yiii" typeface="Microsoft Yi Baiti"/>
-        <a:font script="Tibt" typeface="Microsoft Himalaya"/>
-        <a:font script="Thaa" typeface="MV Boli"/>
-        <a:font script="Deva" typeface="Mangal"/>
-        <a:font script="Telu" typeface="Gautami"/>
-        <a:font script="Taml" typeface="Latha"/>
-        <a:font script="Syrc" typeface="Estrangelo Edessa"/>
-        <a:font script="Orya" typeface="Kalinga"/>
-        <a:font script="Mlym" typeface="Kartika"/>
-        <a:font script="Laoo" typeface="DokChampa"/>
-        <a:font script="Sinh" typeface="Iskoola Pota"/>
-        <a:font script="Mong" typeface="Mongolian Baiti"/>
-        <a:font script="Viet" typeface="Arial"/>
-        <a:font script="Uigh" typeface="Microsoft Uighur"/>
-        <a:font script="Geor" typeface="Sylfaen"/>
-      </a:minorFont>
-    </a:fontScheme>
-    <a:fmtScheme name="Office">
-      <a:fillStyleLst>
-        <a:solidFill>
-          <a:schemeClr val="phClr"/>
-        </a:solidFill>
-        <a:gradFill rotWithShape="1">
-          <a:gsLst>
-            <a:gs pos="0">
-              <a:schemeClr val="phClr">
-                <a:tint val="50000"/>
-                <a:satMod val="300000"/>
-              </a:schemeClr>
-            </a:gs>
-            <a:gs pos="35000">
-              <a:schemeClr val="phClr">
-                <a:tint val="37000"/>
-                <a:satMod val="300000"/>
-              </a:schemeClr>
-            </a:gs>
-            <a:gs pos="100000">
-              <a:schemeClr val="phClr">
-                <a:tint val="15000"/>
-                <a:satMod val="350000"/>
-              </a:schemeClr>
-            </a:gs>
-          </a:gsLst>
-          <a:lin ang="16200000" scaled="1"/>
-        </a:gradFill>
-        <a:gradFill rotWithShape="1">
-          <a:gsLst>
-            <a:gs pos="0">
-              <a:schemeClr val="phClr">
-                <a:tint val="100000"/>
-                <a:shade val="100000"/>
-                <a:satMod val="130000"/>
-              </a:schemeClr>
-            </a:gs>
-            <a:gs pos="100000">
-              <a:schemeClr val="phClr">
-                <a:tint val="50000"/>
-                <a:shade val="100000"/>
-                <a:satMod val="350000"/>
-              </a:schemeClr>
-            </a:gs>
-          </a:gsLst>
-          <a:lin ang="16200000" scaled="0"/>
-        </a:gradFill>
-      </a:fillStyleLst>
-      <a:lnStyleLst>
-        <a:ln w="9525" cap="flat" cmpd="sng" algn="ctr">
-          <a:solidFill>
-            <a:schemeClr val="phClr">
-              <a:shade val="95000"/>
-              <a:satMod val="105000"/>
-            </a:schemeClr>
-          </a:solidFill>
-          <a:prstDash val="solid"/>
-        </a:ln>
-        <a:ln w="25400" cap="flat" cmpd="sng" algn="ctr">
-          <a:solidFill>
-            <a:schemeClr val="phClr"/>
-          </a:solidFill>
-          <a:prstDash val="solid"/>
-        </a:ln>
-        <a:ln w="38100" cap="flat" cmpd="sng" algn="ctr">
-          <a:solidFill>
-            <a:schemeClr val="phClr"/>
-          </a:solidFill>
-          <a:prstDash val="solid"/>
-        </a:ln>
-      </a:lnStyleLst>
-      <a:effectStyleLst>
-        <a:effectStyle>
-          <a:effectLst>
-            <a:outerShdw blurRad="40000" dist="20000" dir="5400000" rotWithShape="0">
-              <a:srgbClr val="000000">
-                <a:alpha val="38000"/>
-              </a:srgbClr>
-            </a:outerShdw>
-          </a:effectLst>
-        </a:effectStyle>
-        <a:effectStyle>
-          <a:effectLst>
-            <a:outerShdw blurRad="40000" dist="23000" dir="5400000" rotWithShape="0">
-              <a:srgbClr val="000000">
-                <a:alpha val="35000"/>
-              </a:srgbClr>
-            </a:outerShdw>
-          </a:effectLst>
-        </a:effectStyle>
-        <a:effectStyle>
-          <a:effectLst>
-            <a:outerShdw blurRad="40000" dist="23000" dir="5400000" rotWithShape="0">
-              <a:srgbClr val="000000">
-                <a:alpha val="35000"/>
-              </a:srgbClr>
-            </a:outerShdw>
-          </a:effectLst>
-          <a:scene3d>
-            <a:camera prst="orthographicFront">
-              <a:rot lat="0" lon="0" rev="0"/>
-            </a:camera>
-            <a:lightRig rig="threePt" dir="t">
-              <a:rot lat="0" lon="0" rev="1200000"/>
-            </a:lightRig>
-          </a:scene3d>
-          <a:sp3d>
-            <a:bevelT w="63500" h="25400"/>
-          </a:sp3d>
-        </a:effectStyle>
-      </a:effectStyleLst>
-      <a:bgFillStyleLst>
-        <a:solidFill>
-          <a:schemeClr val="phClr"/>
-        </a:solidFill>
-        <a:gradFill rotWithShape="1">
-          <a:gsLst>
-            <a:gs pos="0">
-              <a:schemeClr val="phClr">
-                <a:tint val="40000"/>
-                <a:satMod val="350000"/>
-              </a:schemeClr>
-            </a:gs>
-            <a:gs pos="40000">
-              <a:schemeClr val="phClr">
-                <a:tint val="45000"/>
-                <a:shade val="99000"/>
-                <a:satMod val="350000"/>
-              </a:schemeClr>
-            </a:gs>
-            <a:gs pos="100000">
-              <a:schemeClr val="phClr">
-                <a:shade val="20000"/>
-                <a:satMod val="255000"/>
-              </a:schemeClr>
-            </a:gs>
-          </a:gsLst>
-          <a:path path="circle">
-            <a:fillToRect l="50000" t="-80000" r="50000" b="180000"/>
-          </a:path>
-        </a:gradFill>
-        <a:gradFill rotWithShape="1">
-          <a:gsLst>
-            <a:gs pos="0">
-              <a:schemeClr val="phClr">
-                <a:tint val="80000"/>
-                <a:satMod val="300000"/>
-              </a:schemeClr>
-            </a:gs>
-            <a:gs pos="100000">
-              <a:schemeClr val="phClr">
-                <a:shade val="30000"/>
-                <a:satMod val="200000"/>
-              </a:schemeClr>
-            </a:gs>
-          </a:gsLst>
-          <a:path path="circle">
-            <a:fillToRect l="50000" t="50000" r="50000" b="50000"/>
-          </a:path>
-        </a:gradFill>
-      </a:bgFillStyleLst>
-    </a:fmtScheme>
-  </a:themeElements>
-</a:theme>
 </file>